--- a/doc/01. 프로젝트 설계/윈폼 구성 샘플 4조 (1).pptx
+++ b/doc/01. 프로젝트 설계/윈폼 구성 샘플 4조 (1).pptx
@@ -245,7 +245,7 @@
           <a:p>
             <a:fld id="{BFC7CD1C-A75A-4822-A2B7-344908CF03CC}" type="datetimeFigureOut">
               <a:rPr lang="ko-KR" altLang="en-US" smtClean="0"/>
-              <a:t>2022-11-06</a:t>
+              <a:t>2022-11-25</a:t>
             </a:fld>
             <a:endParaRPr lang="ko-KR" altLang="en-US"/>
           </a:p>
@@ -413,7 +413,7 @@
           <a:p>
             <a:fld id="{BFC7CD1C-A75A-4822-A2B7-344908CF03CC}" type="datetimeFigureOut">
               <a:rPr lang="ko-KR" altLang="en-US" smtClean="0"/>
-              <a:t>2022-11-06</a:t>
+              <a:t>2022-11-25</a:t>
             </a:fld>
             <a:endParaRPr lang="ko-KR" altLang="en-US"/>
           </a:p>
@@ -591,7 +591,7 @@
           <a:p>
             <a:fld id="{BFC7CD1C-A75A-4822-A2B7-344908CF03CC}" type="datetimeFigureOut">
               <a:rPr lang="ko-KR" altLang="en-US" smtClean="0"/>
-              <a:t>2022-11-06</a:t>
+              <a:t>2022-11-25</a:t>
             </a:fld>
             <a:endParaRPr lang="ko-KR" altLang="en-US"/>
           </a:p>
@@ -759,7 +759,7 @@
           <a:p>
             <a:fld id="{BFC7CD1C-A75A-4822-A2B7-344908CF03CC}" type="datetimeFigureOut">
               <a:rPr lang="ko-KR" altLang="en-US" smtClean="0"/>
-              <a:t>2022-11-06</a:t>
+              <a:t>2022-11-25</a:t>
             </a:fld>
             <a:endParaRPr lang="ko-KR" altLang="en-US"/>
           </a:p>
@@ -1004,7 +1004,7 @@
           <a:p>
             <a:fld id="{BFC7CD1C-A75A-4822-A2B7-344908CF03CC}" type="datetimeFigureOut">
               <a:rPr lang="ko-KR" altLang="en-US" smtClean="0"/>
-              <a:t>2022-11-06</a:t>
+              <a:t>2022-11-25</a:t>
             </a:fld>
             <a:endParaRPr lang="ko-KR" altLang="en-US"/>
           </a:p>
@@ -1233,7 +1233,7 @@
           <a:p>
             <a:fld id="{BFC7CD1C-A75A-4822-A2B7-344908CF03CC}" type="datetimeFigureOut">
               <a:rPr lang="ko-KR" altLang="en-US" smtClean="0"/>
-              <a:t>2022-11-06</a:t>
+              <a:t>2022-11-25</a:t>
             </a:fld>
             <a:endParaRPr lang="ko-KR" altLang="en-US"/>
           </a:p>
@@ -1597,7 +1597,7 @@
           <a:p>
             <a:fld id="{BFC7CD1C-A75A-4822-A2B7-344908CF03CC}" type="datetimeFigureOut">
               <a:rPr lang="ko-KR" altLang="en-US" smtClean="0"/>
-              <a:t>2022-11-06</a:t>
+              <a:t>2022-11-25</a:t>
             </a:fld>
             <a:endParaRPr lang="ko-KR" altLang="en-US"/>
           </a:p>
@@ -1714,7 +1714,7 @@
           <a:p>
             <a:fld id="{BFC7CD1C-A75A-4822-A2B7-344908CF03CC}" type="datetimeFigureOut">
               <a:rPr lang="ko-KR" altLang="en-US" smtClean="0"/>
-              <a:t>2022-11-06</a:t>
+              <a:t>2022-11-25</a:t>
             </a:fld>
             <a:endParaRPr lang="ko-KR" altLang="en-US"/>
           </a:p>
@@ -1809,7 +1809,7 @@
           <a:p>
             <a:fld id="{BFC7CD1C-A75A-4822-A2B7-344908CF03CC}" type="datetimeFigureOut">
               <a:rPr lang="ko-KR" altLang="en-US" smtClean="0"/>
-              <a:t>2022-11-06</a:t>
+              <a:t>2022-11-25</a:t>
             </a:fld>
             <a:endParaRPr lang="ko-KR" altLang="en-US"/>
           </a:p>
@@ -2084,7 +2084,7 @@
           <a:p>
             <a:fld id="{BFC7CD1C-A75A-4822-A2B7-344908CF03CC}" type="datetimeFigureOut">
               <a:rPr lang="ko-KR" altLang="en-US" smtClean="0"/>
-              <a:t>2022-11-06</a:t>
+              <a:t>2022-11-25</a:t>
             </a:fld>
             <a:endParaRPr lang="ko-KR" altLang="en-US"/>
           </a:p>
@@ -2336,7 +2336,7 @@
           <a:p>
             <a:fld id="{BFC7CD1C-A75A-4822-A2B7-344908CF03CC}" type="datetimeFigureOut">
               <a:rPr lang="ko-KR" altLang="en-US" smtClean="0"/>
-              <a:t>2022-11-06</a:t>
+              <a:t>2022-11-25</a:t>
             </a:fld>
             <a:endParaRPr lang="ko-KR" altLang="en-US"/>
           </a:p>
@@ -2547,7 +2547,7 @@
           <a:p>
             <a:fld id="{BFC7CD1C-A75A-4822-A2B7-344908CF03CC}" type="datetimeFigureOut">
               <a:rPr lang="ko-KR" altLang="en-US" smtClean="0"/>
-              <a:t>2022-11-06</a:t>
+              <a:t>2022-11-25</a:t>
             </a:fld>
             <a:endParaRPr lang="ko-KR" altLang="en-US"/>
           </a:p>
@@ -2957,7 +2957,7 @@
           <p:cNvPr id="4" name="직사각형 3">
             <a:extLst>
               <a:ext uri="{FF2B5EF4-FFF2-40B4-BE49-F238E27FC236}">
-                <a16:creationId xmlns:a16="http://schemas.microsoft.com/office/drawing/2014/main" xmlns="" id="{46453877-91AC-6AE5-103C-B852A15A2F45}"/>
+                <a16:creationId xmlns="" xmlns:a16="http://schemas.microsoft.com/office/drawing/2014/main" id="{46453877-91AC-6AE5-103C-B852A15A2F45}"/>
               </a:ext>
             </a:extLst>
           </p:cNvPr>
@@ -4579,7 +4579,7 @@
           <p:cNvPr id="6" name="직사각형 5">
             <a:extLst>
               <a:ext uri="{FF2B5EF4-FFF2-40B4-BE49-F238E27FC236}">
-                <a16:creationId xmlns:a16="http://schemas.microsoft.com/office/drawing/2014/main" xmlns="" id="{E4C09721-605E-2AD0-C5F2-EC833BF5CDBF}"/>
+                <a16:creationId xmlns="" xmlns:a16="http://schemas.microsoft.com/office/drawing/2014/main" id="{E4C09721-605E-2AD0-C5F2-EC833BF5CDBF}"/>
               </a:ext>
             </a:extLst>
           </p:cNvPr>
@@ -4629,7 +4629,7 @@
           <p:cNvPr id="7" name="직사각형 6">
             <a:extLst>
               <a:ext uri="{FF2B5EF4-FFF2-40B4-BE49-F238E27FC236}">
-                <a16:creationId xmlns:a16="http://schemas.microsoft.com/office/drawing/2014/main" xmlns="" id="{BC6463EF-BEB8-D138-8330-ED34F2883941}"/>
+                <a16:creationId xmlns="" xmlns:a16="http://schemas.microsoft.com/office/drawing/2014/main" id="{BC6463EF-BEB8-D138-8330-ED34F2883941}"/>
               </a:ext>
             </a:extLst>
           </p:cNvPr>
@@ -4682,7 +4682,7 @@
           <p:cNvPr id="8" name="직사각형 7">
             <a:extLst>
               <a:ext uri="{FF2B5EF4-FFF2-40B4-BE49-F238E27FC236}">
-                <a16:creationId xmlns:a16="http://schemas.microsoft.com/office/drawing/2014/main" xmlns="" id="{1486A08E-84B9-345D-C9A5-2A78547D3EEB}"/>
+                <a16:creationId xmlns="" xmlns:a16="http://schemas.microsoft.com/office/drawing/2014/main" id="{1486A08E-84B9-345D-C9A5-2A78547D3EEB}"/>
               </a:ext>
             </a:extLst>
           </p:cNvPr>
@@ -4764,7 +4764,7 @@
           <p:cNvPr id="9" name="직사각형 8">
             <a:extLst>
               <a:ext uri="{FF2B5EF4-FFF2-40B4-BE49-F238E27FC236}">
-                <a16:creationId xmlns:a16="http://schemas.microsoft.com/office/drawing/2014/main" xmlns="" id="{52E4CD2D-FBCB-0F0A-CA20-482CD5A1161D}"/>
+                <a16:creationId xmlns="" xmlns:a16="http://schemas.microsoft.com/office/drawing/2014/main" id="{52E4CD2D-FBCB-0F0A-CA20-482CD5A1161D}"/>
               </a:ext>
             </a:extLst>
           </p:cNvPr>
@@ -4822,7 +4822,7 @@
           <p:cNvPr id="10" name="직사각형 9">
             <a:extLst>
               <a:ext uri="{FF2B5EF4-FFF2-40B4-BE49-F238E27FC236}">
-                <a16:creationId xmlns:a16="http://schemas.microsoft.com/office/drawing/2014/main" xmlns="" id="{F8BFB1E0-3B5F-F2EF-7A07-7E9FAACA011D}"/>
+                <a16:creationId xmlns="" xmlns:a16="http://schemas.microsoft.com/office/drawing/2014/main" id="{F8BFB1E0-3B5F-F2EF-7A07-7E9FAACA011D}"/>
               </a:ext>
             </a:extLst>
           </p:cNvPr>
@@ -4880,7 +4880,7 @@
           <p:cNvPr id="11" name="화살표: 아래로 구부러짐 10">
             <a:extLst>
               <a:ext uri="{FF2B5EF4-FFF2-40B4-BE49-F238E27FC236}">
-                <a16:creationId xmlns:a16="http://schemas.microsoft.com/office/drawing/2014/main" xmlns="" id="{1D31BB3D-BB0A-D138-28C0-992ACA5EA231}"/>
+                <a16:creationId xmlns="" xmlns:a16="http://schemas.microsoft.com/office/drawing/2014/main" id="{1D31BB3D-BB0A-D138-28C0-992ACA5EA231}"/>
               </a:ext>
             </a:extLst>
           </p:cNvPr>
@@ -4930,7 +4930,7 @@
           <p:cNvPr id="41" name="직사각형 40">
             <a:extLst>
               <a:ext uri="{FF2B5EF4-FFF2-40B4-BE49-F238E27FC236}">
-                <a16:creationId xmlns:a16="http://schemas.microsoft.com/office/drawing/2014/main" xmlns="" id="{1486A08E-84B9-345D-C9A5-2A78547D3EEB}"/>
+                <a16:creationId xmlns="" xmlns:a16="http://schemas.microsoft.com/office/drawing/2014/main" id="{1486A08E-84B9-345D-C9A5-2A78547D3EEB}"/>
               </a:ext>
             </a:extLst>
           </p:cNvPr>
@@ -4996,7 +4996,7 @@
           <p:cNvPr id="42" name="직사각형 41">
             <a:extLst>
               <a:ext uri="{FF2B5EF4-FFF2-40B4-BE49-F238E27FC236}">
-                <a16:creationId xmlns:a16="http://schemas.microsoft.com/office/drawing/2014/main" xmlns="" id="{52E4CD2D-FBCB-0F0A-CA20-482CD5A1161D}"/>
+                <a16:creationId xmlns="" xmlns:a16="http://schemas.microsoft.com/office/drawing/2014/main" id="{52E4CD2D-FBCB-0F0A-CA20-482CD5A1161D}"/>
               </a:ext>
             </a:extLst>
           </p:cNvPr>
@@ -5054,7 +5054,7 @@
           <p:cNvPr id="43" name="직사각형 42">
             <a:extLst>
               <a:ext uri="{FF2B5EF4-FFF2-40B4-BE49-F238E27FC236}">
-                <a16:creationId xmlns:a16="http://schemas.microsoft.com/office/drawing/2014/main" xmlns="" id="{F8BFB1E0-3B5F-F2EF-7A07-7E9FAACA011D}"/>
+                <a16:creationId xmlns="" xmlns:a16="http://schemas.microsoft.com/office/drawing/2014/main" id="{F8BFB1E0-3B5F-F2EF-7A07-7E9FAACA011D}"/>
               </a:ext>
             </a:extLst>
           </p:cNvPr>
@@ -5112,7 +5112,7 @@
           <p:cNvPr id="50" name="화살표: 아래로 구부러짐 10">
             <a:extLst>
               <a:ext uri="{FF2B5EF4-FFF2-40B4-BE49-F238E27FC236}">
-                <a16:creationId xmlns:a16="http://schemas.microsoft.com/office/drawing/2014/main" xmlns="" id="{1D31BB3D-BB0A-D138-28C0-992ACA5EA231}"/>
+                <a16:creationId xmlns="" xmlns:a16="http://schemas.microsoft.com/office/drawing/2014/main" id="{1D31BB3D-BB0A-D138-28C0-992ACA5EA231}"/>
               </a:ext>
             </a:extLst>
           </p:cNvPr>
@@ -5448,7 +5448,7 @@
           <p:cNvPr id="2" name="직사각형 1">
             <a:extLst>
               <a:ext uri="{FF2B5EF4-FFF2-40B4-BE49-F238E27FC236}">
-                <a16:creationId xmlns:a16="http://schemas.microsoft.com/office/drawing/2014/main" xmlns="" id="{5C8D4D09-5433-3A54-3D99-5B8C0D9866C0}"/>
+                <a16:creationId xmlns="" xmlns:a16="http://schemas.microsoft.com/office/drawing/2014/main" id="{5C8D4D09-5433-3A54-3D99-5B8C0D9866C0}"/>
               </a:ext>
             </a:extLst>
           </p:cNvPr>
@@ -5498,7 +5498,7 @@
           <p:cNvPr id="3" name="직사각형 2">
             <a:extLst>
               <a:ext uri="{FF2B5EF4-FFF2-40B4-BE49-F238E27FC236}">
-                <a16:creationId xmlns:a16="http://schemas.microsoft.com/office/drawing/2014/main" xmlns="" id="{A404E3D5-5E31-1DC2-CC37-C43DBBF84CB4}"/>
+                <a16:creationId xmlns="" xmlns:a16="http://schemas.microsoft.com/office/drawing/2014/main" id="{A404E3D5-5E31-1DC2-CC37-C43DBBF84CB4}"/>
               </a:ext>
             </a:extLst>
           </p:cNvPr>
@@ -5551,7 +5551,7 @@
           <p:cNvPr id="19" name="표 19">
             <a:extLst>
               <a:ext uri="{FF2B5EF4-FFF2-40B4-BE49-F238E27FC236}">
-                <a16:creationId xmlns:a16="http://schemas.microsoft.com/office/drawing/2014/main" xmlns="" id="{A9437FBF-E67C-E684-DA3F-1A9F54C0916E}"/>
+                <a16:creationId xmlns="" xmlns:a16="http://schemas.microsoft.com/office/drawing/2014/main" id="{A9437FBF-E67C-E684-DA3F-1A9F54C0916E}"/>
               </a:ext>
             </a:extLst>
           </p:cNvPr>
@@ -5580,7 +5580,7 @@
                 <a:gridCol w="1432736">
                   <a:extLst>
                     <a:ext uri="{9D8B030D-6E8A-4147-A177-3AD203B41FA5}">
-                      <a16:colId xmlns:a16="http://schemas.microsoft.com/office/drawing/2014/main" xmlns="" val="1618415641"/>
+                      <a16:colId xmlns="" xmlns:a16="http://schemas.microsoft.com/office/drawing/2014/main" val="1618415641"/>
                     </a:ext>
                   </a:extLst>
                 </a:gridCol>
@@ -5588,21 +5588,21 @@
                 <a:gridCol w="1387791">
                   <a:extLst>
                     <a:ext uri="{9D8B030D-6E8A-4147-A177-3AD203B41FA5}">
-                      <a16:colId xmlns:a16="http://schemas.microsoft.com/office/drawing/2014/main" xmlns="" val="4073962845"/>
+                      <a16:colId xmlns="" xmlns:a16="http://schemas.microsoft.com/office/drawing/2014/main" val="4073962845"/>
                     </a:ext>
                   </a:extLst>
                 </a:gridCol>
                 <a:gridCol w="1461031">
                   <a:extLst>
                     <a:ext uri="{9D8B030D-6E8A-4147-A177-3AD203B41FA5}">
-                      <a16:colId xmlns:a16="http://schemas.microsoft.com/office/drawing/2014/main" xmlns="" val="361970199"/>
+                      <a16:colId xmlns="" xmlns:a16="http://schemas.microsoft.com/office/drawing/2014/main" val="361970199"/>
                     </a:ext>
                   </a:extLst>
                 </a:gridCol>
                 <a:gridCol w="1235613">
                   <a:extLst>
                     <a:ext uri="{9D8B030D-6E8A-4147-A177-3AD203B41FA5}">
-                      <a16:colId xmlns:a16="http://schemas.microsoft.com/office/drawing/2014/main" xmlns="" val="759743309"/>
+                      <a16:colId xmlns="" xmlns:a16="http://schemas.microsoft.com/office/drawing/2014/main" val="759743309"/>
                     </a:ext>
                   </a:extLst>
                 </a:gridCol>
@@ -5699,7 +5699,7 @@
                 </a:tc>
                 <a:extLst>
                   <a:ext uri="{0D108BD9-81ED-4DB2-BD59-A6C34878D82A}">
-                    <a16:rowId xmlns:a16="http://schemas.microsoft.com/office/drawing/2014/main" xmlns="" val="3632594873"/>
+                    <a16:rowId xmlns="" xmlns:a16="http://schemas.microsoft.com/office/drawing/2014/main" val="3632594873"/>
                   </a:ext>
                 </a:extLst>
               </a:tr>
@@ -5802,7 +5802,7 @@
                 </a:tc>
                 <a:extLst>
                   <a:ext uri="{0D108BD9-81ED-4DB2-BD59-A6C34878D82A}">
-                    <a16:rowId xmlns:a16="http://schemas.microsoft.com/office/drawing/2014/main" xmlns="" val="1698924023"/>
+                    <a16:rowId xmlns="" xmlns:a16="http://schemas.microsoft.com/office/drawing/2014/main" val="1698924023"/>
                   </a:ext>
                 </a:extLst>
               </a:tr>
@@ -5901,7 +5901,7 @@
                 </a:tc>
                 <a:extLst>
                   <a:ext uri="{0D108BD9-81ED-4DB2-BD59-A6C34878D82A}">
-                    <a16:rowId xmlns:a16="http://schemas.microsoft.com/office/drawing/2014/main" xmlns="" val="4130420725"/>
+                    <a16:rowId xmlns="" xmlns:a16="http://schemas.microsoft.com/office/drawing/2014/main" val="4130420725"/>
                   </a:ext>
                 </a:extLst>
               </a:tr>
@@ -6000,7 +6000,7 @@
                 </a:tc>
                 <a:extLst>
                   <a:ext uri="{0D108BD9-81ED-4DB2-BD59-A6C34878D82A}">
-                    <a16:rowId xmlns:a16="http://schemas.microsoft.com/office/drawing/2014/main" xmlns="" val="2624797284"/>
+                    <a16:rowId xmlns="" xmlns:a16="http://schemas.microsoft.com/office/drawing/2014/main" val="2624797284"/>
                   </a:ext>
                 </a:extLst>
               </a:tr>
@@ -6073,7 +6073,7 @@
                 </a:tc>
                 <a:extLst>
                   <a:ext uri="{0D108BD9-81ED-4DB2-BD59-A6C34878D82A}">
-                    <a16:rowId xmlns:a16="http://schemas.microsoft.com/office/drawing/2014/main" xmlns="" val="2273159815"/>
+                    <a16:rowId xmlns="" xmlns:a16="http://schemas.microsoft.com/office/drawing/2014/main" val="2273159815"/>
                   </a:ext>
                 </a:extLst>
               </a:tr>
@@ -6536,7 +6536,7 @@
           <p:cNvPr id="2" name="직사각형 1">
             <a:extLst>
               <a:ext uri="{FF2B5EF4-FFF2-40B4-BE49-F238E27FC236}">
-                <a16:creationId xmlns:a16="http://schemas.microsoft.com/office/drawing/2014/main" xmlns="" id="{631107C3-3147-B44F-62F8-DB5AF909181B}"/>
+                <a16:creationId xmlns="" xmlns:a16="http://schemas.microsoft.com/office/drawing/2014/main" id="{631107C3-3147-B44F-62F8-DB5AF909181B}"/>
               </a:ext>
             </a:extLst>
           </p:cNvPr>
@@ -6586,7 +6586,7 @@
           <p:cNvPr id="3" name="직사각형 2">
             <a:extLst>
               <a:ext uri="{FF2B5EF4-FFF2-40B4-BE49-F238E27FC236}">
-                <a16:creationId xmlns:a16="http://schemas.microsoft.com/office/drawing/2014/main" xmlns="" id="{6096EE31-70C6-52E6-C4A6-4BE38DEFC3FA}"/>
+                <a16:creationId xmlns="" xmlns:a16="http://schemas.microsoft.com/office/drawing/2014/main" id="{6096EE31-70C6-52E6-C4A6-4BE38DEFC3FA}"/>
               </a:ext>
             </a:extLst>
           </p:cNvPr>
@@ -6631,6 +6631,166 @@
               <a:rPr lang="ko-KR" altLang="en-US" dirty="0"/>
               <a:t>회사명</a:t>
             </a:r>
+          </a:p>
+        </p:txBody>
+      </p:sp>
+      <p:sp>
+        <p:nvSpPr>
+          <p:cNvPr id="5" name="타원 4"/>
+          <p:cNvSpPr/>
+          <p:nvPr/>
+        </p:nvSpPr>
+        <p:spPr>
+          <a:xfrm>
+            <a:off x="3072713" y="2736886"/>
+            <a:ext cx="2166552" cy="2125362"/>
+          </a:xfrm>
+          <a:prstGeom prst="ellipse">
+            <a:avLst/>
+          </a:prstGeom>
+        </p:spPr>
+        <p:style>
+          <a:lnRef idx="2">
+            <a:schemeClr val="accent1">
+              <a:shade val="50000"/>
+            </a:schemeClr>
+          </a:lnRef>
+          <a:fillRef idx="1">
+            <a:schemeClr val="accent1"/>
+          </a:fillRef>
+          <a:effectRef idx="0">
+            <a:schemeClr val="accent1"/>
+          </a:effectRef>
+          <a:fontRef idx="minor">
+            <a:schemeClr val="lt1"/>
+          </a:fontRef>
+        </p:style>
+        <p:txBody>
+          <a:bodyPr rtlCol="0" anchor="ctr"/>
+          <a:lstStyle/>
+          <a:p>
+            <a:pPr algn="ctr"/>
+            <a:endParaRPr lang="ko-KR" altLang="en-US"/>
+          </a:p>
+        </p:txBody>
+      </p:sp>
+      <p:sp>
+        <p:nvSpPr>
+          <p:cNvPr id="13" name="타원 12"/>
+          <p:cNvSpPr/>
+          <p:nvPr/>
+        </p:nvSpPr>
+        <p:spPr>
+          <a:xfrm>
+            <a:off x="5666420" y="2736886"/>
+            <a:ext cx="2166552" cy="2125362"/>
+          </a:xfrm>
+          <a:prstGeom prst="ellipse">
+            <a:avLst/>
+          </a:prstGeom>
+        </p:spPr>
+        <p:style>
+          <a:lnRef idx="2">
+            <a:schemeClr val="accent1">
+              <a:shade val="50000"/>
+            </a:schemeClr>
+          </a:lnRef>
+          <a:fillRef idx="1">
+            <a:schemeClr val="accent1"/>
+          </a:fillRef>
+          <a:effectRef idx="0">
+            <a:schemeClr val="accent1"/>
+          </a:effectRef>
+          <a:fontRef idx="minor">
+            <a:schemeClr val="lt1"/>
+          </a:fontRef>
+        </p:style>
+        <p:txBody>
+          <a:bodyPr rtlCol="0" anchor="ctr"/>
+          <a:lstStyle/>
+          <a:p>
+            <a:pPr algn="ctr"/>
+            <a:endParaRPr lang="ko-KR" altLang="en-US"/>
+          </a:p>
+        </p:txBody>
+      </p:sp>
+      <p:sp>
+        <p:nvSpPr>
+          <p:cNvPr id="18" name="타원 17"/>
+          <p:cNvSpPr/>
+          <p:nvPr/>
+        </p:nvSpPr>
+        <p:spPr>
+          <a:xfrm>
+            <a:off x="8365523" y="2789058"/>
+            <a:ext cx="2166552" cy="2125362"/>
+          </a:xfrm>
+          <a:prstGeom prst="ellipse">
+            <a:avLst/>
+          </a:prstGeom>
+        </p:spPr>
+        <p:style>
+          <a:lnRef idx="2">
+            <a:schemeClr val="accent1">
+              <a:shade val="50000"/>
+            </a:schemeClr>
+          </a:lnRef>
+          <a:fillRef idx="1">
+            <a:schemeClr val="accent1"/>
+          </a:fillRef>
+          <a:effectRef idx="0">
+            <a:schemeClr val="accent1"/>
+          </a:effectRef>
+          <a:fontRef idx="minor">
+            <a:schemeClr val="lt1"/>
+          </a:fontRef>
+        </p:style>
+        <p:txBody>
+          <a:bodyPr rtlCol="0" anchor="ctr"/>
+          <a:lstStyle/>
+          <a:p>
+            <a:pPr algn="ctr"/>
+            <a:endParaRPr lang="ko-KR" altLang="en-US"/>
+          </a:p>
+        </p:txBody>
+      </p:sp>
+      <p:sp>
+        <p:nvSpPr>
+          <p:cNvPr id="6" name="직사각형 5"/>
+          <p:cNvSpPr/>
+          <p:nvPr/>
+        </p:nvSpPr>
+        <p:spPr>
+          <a:xfrm>
+            <a:off x="2759676" y="1386581"/>
+            <a:ext cx="2133600" cy="387179"/>
+          </a:xfrm>
+          <a:prstGeom prst="rect">
+            <a:avLst/>
+          </a:prstGeom>
+        </p:spPr>
+        <p:style>
+          <a:lnRef idx="2">
+            <a:schemeClr val="accent1">
+              <a:shade val="50000"/>
+            </a:schemeClr>
+          </a:lnRef>
+          <a:fillRef idx="1">
+            <a:schemeClr val="accent1"/>
+          </a:fillRef>
+          <a:effectRef idx="0">
+            <a:schemeClr val="accent1"/>
+          </a:effectRef>
+          <a:fontRef idx="minor">
+            <a:schemeClr val="lt1"/>
+          </a:fontRef>
+        </p:style>
+        <p:txBody>
+          <a:bodyPr rtlCol="0" anchor="ctr"/>
+          <a:lstStyle/>
+          <a:p>
+            <a:pPr algn="ctr"/>
+            <a:endParaRPr lang="ko-KR" altLang="en-US"/>
           </a:p>
         </p:txBody>
       </p:sp>
@@ -7030,7 +7190,7 @@
           <p:cNvPr id="2" name="직사각형 1">
             <a:extLst>
               <a:ext uri="{FF2B5EF4-FFF2-40B4-BE49-F238E27FC236}">
-                <a16:creationId xmlns:a16="http://schemas.microsoft.com/office/drawing/2014/main" xmlns="" id="{FC8841BC-C1C1-DE1B-3938-F590D05496A8}"/>
+                <a16:creationId xmlns="" xmlns:a16="http://schemas.microsoft.com/office/drawing/2014/main" id="{FC8841BC-C1C1-DE1B-3938-F590D05496A8}"/>
               </a:ext>
             </a:extLst>
           </p:cNvPr>
@@ -7080,7 +7240,7 @@
           <p:cNvPr id="3" name="직사각형 2">
             <a:extLst>
               <a:ext uri="{FF2B5EF4-FFF2-40B4-BE49-F238E27FC236}">
-                <a16:creationId xmlns:a16="http://schemas.microsoft.com/office/drawing/2014/main" xmlns="" id="{1EFE38DE-8C8E-26A9-7D91-99AD6E5175B5}"/>
+                <a16:creationId xmlns="" xmlns:a16="http://schemas.microsoft.com/office/drawing/2014/main" id="{1EFE38DE-8C8E-26A9-7D91-99AD6E5175B5}"/>
               </a:ext>
             </a:extLst>
           </p:cNvPr>

--- a/doc/01. 프로젝트 설계/윈폼 구성 샘플 4조 (1).pptx
+++ b/doc/01. 프로젝트 설계/윈폼 구성 샘플 4조 (1).pptx
@@ -245,7 +245,7 @@
           <a:p>
             <a:fld id="{BFC7CD1C-A75A-4822-A2B7-344908CF03CC}" type="datetimeFigureOut">
               <a:rPr lang="ko-KR" altLang="en-US" smtClean="0"/>
-              <a:t>2022-11-25</a:t>
+              <a:t>2022-11-30</a:t>
             </a:fld>
             <a:endParaRPr lang="ko-KR" altLang="en-US"/>
           </a:p>
@@ -413,7 +413,7 @@
           <a:p>
             <a:fld id="{BFC7CD1C-A75A-4822-A2B7-344908CF03CC}" type="datetimeFigureOut">
               <a:rPr lang="ko-KR" altLang="en-US" smtClean="0"/>
-              <a:t>2022-11-25</a:t>
+              <a:t>2022-11-30</a:t>
             </a:fld>
             <a:endParaRPr lang="ko-KR" altLang="en-US"/>
           </a:p>
@@ -591,7 +591,7 @@
           <a:p>
             <a:fld id="{BFC7CD1C-A75A-4822-A2B7-344908CF03CC}" type="datetimeFigureOut">
               <a:rPr lang="ko-KR" altLang="en-US" smtClean="0"/>
-              <a:t>2022-11-25</a:t>
+              <a:t>2022-11-30</a:t>
             </a:fld>
             <a:endParaRPr lang="ko-KR" altLang="en-US"/>
           </a:p>
@@ -759,7 +759,7 @@
           <a:p>
             <a:fld id="{BFC7CD1C-A75A-4822-A2B7-344908CF03CC}" type="datetimeFigureOut">
               <a:rPr lang="ko-KR" altLang="en-US" smtClean="0"/>
-              <a:t>2022-11-25</a:t>
+              <a:t>2022-11-30</a:t>
             </a:fld>
             <a:endParaRPr lang="ko-KR" altLang="en-US"/>
           </a:p>
@@ -1004,7 +1004,7 @@
           <a:p>
             <a:fld id="{BFC7CD1C-A75A-4822-A2B7-344908CF03CC}" type="datetimeFigureOut">
               <a:rPr lang="ko-KR" altLang="en-US" smtClean="0"/>
-              <a:t>2022-11-25</a:t>
+              <a:t>2022-11-30</a:t>
             </a:fld>
             <a:endParaRPr lang="ko-KR" altLang="en-US"/>
           </a:p>
@@ -1233,7 +1233,7 @@
           <a:p>
             <a:fld id="{BFC7CD1C-A75A-4822-A2B7-344908CF03CC}" type="datetimeFigureOut">
               <a:rPr lang="ko-KR" altLang="en-US" smtClean="0"/>
-              <a:t>2022-11-25</a:t>
+              <a:t>2022-11-30</a:t>
             </a:fld>
             <a:endParaRPr lang="ko-KR" altLang="en-US"/>
           </a:p>
@@ -1597,7 +1597,7 @@
           <a:p>
             <a:fld id="{BFC7CD1C-A75A-4822-A2B7-344908CF03CC}" type="datetimeFigureOut">
               <a:rPr lang="ko-KR" altLang="en-US" smtClean="0"/>
-              <a:t>2022-11-25</a:t>
+              <a:t>2022-11-30</a:t>
             </a:fld>
             <a:endParaRPr lang="ko-KR" altLang="en-US"/>
           </a:p>
@@ -1714,7 +1714,7 @@
           <a:p>
             <a:fld id="{BFC7CD1C-A75A-4822-A2B7-344908CF03CC}" type="datetimeFigureOut">
               <a:rPr lang="ko-KR" altLang="en-US" smtClean="0"/>
-              <a:t>2022-11-25</a:t>
+              <a:t>2022-11-30</a:t>
             </a:fld>
             <a:endParaRPr lang="ko-KR" altLang="en-US"/>
           </a:p>
@@ -1809,7 +1809,7 @@
           <a:p>
             <a:fld id="{BFC7CD1C-A75A-4822-A2B7-344908CF03CC}" type="datetimeFigureOut">
               <a:rPr lang="ko-KR" altLang="en-US" smtClean="0"/>
-              <a:t>2022-11-25</a:t>
+              <a:t>2022-11-30</a:t>
             </a:fld>
             <a:endParaRPr lang="ko-KR" altLang="en-US"/>
           </a:p>
@@ -2084,7 +2084,7 @@
           <a:p>
             <a:fld id="{BFC7CD1C-A75A-4822-A2B7-344908CF03CC}" type="datetimeFigureOut">
               <a:rPr lang="ko-KR" altLang="en-US" smtClean="0"/>
-              <a:t>2022-11-25</a:t>
+              <a:t>2022-11-30</a:t>
             </a:fld>
             <a:endParaRPr lang="ko-KR" altLang="en-US"/>
           </a:p>
@@ -2336,7 +2336,7 @@
           <a:p>
             <a:fld id="{BFC7CD1C-A75A-4822-A2B7-344908CF03CC}" type="datetimeFigureOut">
               <a:rPr lang="ko-KR" altLang="en-US" smtClean="0"/>
-              <a:t>2022-11-25</a:t>
+              <a:t>2022-11-30</a:t>
             </a:fld>
             <a:endParaRPr lang="ko-KR" altLang="en-US"/>
           </a:p>
@@ -2547,7 +2547,7 @@
           <a:p>
             <a:fld id="{BFC7CD1C-A75A-4822-A2B7-344908CF03CC}" type="datetimeFigureOut">
               <a:rPr lang="ko-KR" altLang="en-US" smtClean="0"/>
-              <a:t>2022-11-25</a:t>
+              <a:t>2022-11-30</a:t>
             </a:fld>
             <a:endParaRPr lang="ko-KR" altLang="en-US"/>
           </a:p>
@@ -2957,7 +2957,7 @@
           <p:cNvPr id="4" name="직사각형 3">
             <a:extLst>
               <a:ext uri="{FF2B5EF4-FFF2-40B4-BE49-F238E27FC236}">
-                <a16:creationId xmlns="" xmlns:a16="http://schemas.microsoft.com/office/drawing/2014/main" id="{46453877-91AC-6AE5-103C-B852A15A2F45}"/>
+                <a16:creationId xmlns:a16="http://schemas.microsoft.com/office/drawing/2014/main" xmlns="" id="{46453877-91AC-6AE5-103C-B852A15A2F45}"/>
               </a:ext>
             </a:extLst>
           </p:cNvPr>
@@ -4579,7 +4579,7 @@
           <p:cNvPr id="6" name="직사각형 5">
             <a:extLst>
               <a:ext uri="{FF2B5EF4-FFF2-40B4-BE49-F238E27FC236}">
-                <a16:creationId xmlns="" xmlns:a16="http://schemas.microsoft.com/office/drawing/2014/main" id="{E4C09721-605E-2AD0-C5F2-EC833BF5CDBF}"/>
+                <a16:creationId xmlns:a16="http://schemas.microsoft.com/office/drawing/2014/main" xmlns="" id="{E4C09721-605E-2AD0-C5F2-EC833BF5CDBF}"/>
               </a:ext>
             </a:extLst>
           </p:cNvPr>
@@ -4629,7 +4629,7 @@
           <p:cNvPr id="7" name="직사각형 6">
             <a:extLst>
               <a:ext uri="{FF2B5EF4-FFF2-40B4-BE49-F238E27FC236}">
-                <a16:creationId xmlns="" xmlns:a16="http://schemas.microsoft.com/office/drawing/2014/main" id="{BC6463EF-BEB8-D138-8330-ED34F2883941}"/>
+                <a16:creationId xmlns:a16="http://schemas.microsoft.com/office/drawing/2014/main" xmlns="" id="{BC6463EF-BEB8-D138-8330-ED34F2883941}"/>
               </a:ext>
             </a:extLst>
           </p:cNvPr>
@@ -4682,7 +4682,7 @@
           <p:cNvPr id="8" name="직사각형 7">
             <a:extLst>
               <a:ext uri="{FF2B5EF4-FFF2-40B4-BE49-F238E27FC236}">
-                <a16:creationId xmlns="" xmlns:a16="http://schemas.microsoft.com/office/drawing/2014/main" id="{1486A08E-84B9-345D-C9A5-2A78547D3EEB}"/>
+                <a16:creationId xmlns:a16="http://schemas.microsoft.com/office/drawing/2014/main" xmlns="" id="{1486A08E-84B9-345D-C9A5-2A78547D3EEB}"/>
               </a:ext>
             </a:extLst>
           </p:cNvPr>
@@ -4764,7 +4764,7 @@
           <p:cNvPr id="9" name="직사각형 8">
             <a:extLst>
               <a:ext uri="{FF2B5EF4-FFF2-40B4-BE49-F238E27FC236}">
-                <a16:creationId xmlns="" xmlns:a16="http://schemas.microsoft.com/office/drawing/2014/main" id="{52E4CD2D-FBCB-0F0A-CA20-482CD5A1161D}"/>
+                <a16:creationId xmlns:a16="http://schemas.microsoft.com/office/drawing/2014/main" xmlns="" id="{52E4CD2D-FBCB-0F0A-CA20-482CD5A1161D}"/>
               </a:ext>
             </a:extLst>
           </p:cNvPr>
@@ -4822,7 +4822,7 @@
           <p:cNvPr id="10" name="직사각형 9">
             <a:extLst>
               <a:ext uri="{FF2B5EF4-FFF2-40B4-BE49-F238E27FC236}">
-                <a16:creationId xmlns="" xmlns:a16="http://schemas.microsoft.com/office/drawing/2014/main" id="{F8BFB1E0-3B5F-F2EF-7A07-7E9FAACA011D}"/>
+                <a16:creationId xmlns:a16="http://schemas.microsoft.com/office/drawing/2014/main" xmlns="" id="{F8BFB1E0-3B5F-F2EF-7A07-7E9FAACA011D}"/>
               </a:ext>
             </a:extLst>
           </p:cNvPr>
@@ -4880,7 +4880,7 @@
           <p:cNvPr id="11" name="화살표: 아래로 구부러짐 10">
             <a:extLst>
               <a:ext uri="{FF2B5EF4-FFF2-40B4-BE49-F238E27FC236}">
-                <a16:creationId xmlns="" xmlns:a16="http://schemas.microsoft.com/office/drawing/2014/main" id="{1D31BB3D-BB0A-D138-28C0-992ACA5EA231}"/>
+                <a16:creationId xmlns:a16="http://schemas.microsoft.com/office/drawing/2014/main" xmlns="" id="{1D31BB3D-BB0A-D138-28C0-992ACA5EA231}"/>
               </a:ext>
             </a:extLst>
           </p:cNvPr>
@@ -4930,7 +4930,7 @@
           <p:cNvPr id="41" name="직사각형 40">
             <a:extLst>
               <a:ext uri="{FF2B5EF4-FFF2-40B4-BE49-F238E27FC236}">
-                <a16:creationId xmlns="" xmlns:a16="http://schemas.microsoft.com/office/drawing/2014/main" id="{1486A08E-84B9-345D-C9A5-2A78547D3EEB}"/>
+                <a16:creationId xmlns:a16="http://schemas.microsoft.com/office/drawing/2014/main" xmlns="" id="{1486A08E-84B9-345D-C9A5-2A78547D3EEB}"/>
               </a:ext>
             </a:extLst>
           </p:cNvPr>
@@ -4996,7 +4996,7 @@
           <p:cNvPr id="42" name="직사각형 41">
             <a:extLst>
               <a:ext uri="{FF2B5EF4-FFF2-40B4-BE49-F238E27FC236}">
-                <a16:creationId xmlns="" xmlns:a16="http://schemas.microsoft.com/office/drawing/2014/main" id="{52E4CD2D-FBCB-0F0A-CA20-482CD5A1161D}"/>
+                <a16:creationId xmlns:a16="http://schemas.microsoft.com/office/drawing/2014/main" xmlns="" id="{52E4CD2D-FBCB-0F0A-CA20-482CD5A1161D}"/>
               </a:ext>
             </a:extLst>
           </p:cNvPr>
@@ -5054,7 +5054,7 @@
           <p:cNvPr id="43" name="직사각형 42">
             <a:extLst>
               <a:ext uri="{FF2B5EF4-FFF2-40B4-BE49-F238E27FC236}">
-                <a16:creationId xmlns="" xmlns:a16="http://schemas.microsoft.com/office/drawing/2014/main" id="{F8BFB1E0-3B5F-F2EF-7A07-7E9FAACA011D}"/>
+                <a16:creationId xmlns:a16="http://schemas.microsoft.com/office/drawing/2014/main" xmlns="" id="{F8BFB1E0-3B5F-F2EF-7A07-7E9FAACA011D}"/>
               </a:ext>
             </a:extLst>
           </p:cNvPr>
@@ -5112,7 +5112,7 @@
           <p:cNvPr id="50" name="화살표: 아래로 구부러짐 10">
             <a:extLst>
               <a:ext uri="{FF2B5EF4-FFF2-40B4-BE49-F238E27FC236}">
-                <a16:creationId xmlns="" xmlns:a16="http://schemas.microsoft.com/office/drawing/2014/main" id="{1D31BB3D-BB0A-D138-28C0-992ACA5EA231}"/>
+                <a16:creationId xmlns:a16="http://schemas.microsoft.com/office/drawing/2014/main" xmlns="" id="{1D31BB3D-BB0A-D138-28C0-992ACA5EA231}"/>
               </a:ext>
             </a:extLst>
           </p:cNvPr>
@@ -5448,7 +5448,7 @@
           <p:cNvPr id="2" name="직사각형 1">
             <a:extLst>
               <a:ext uri="{FF2B5EF4-FFF2-40B4-BE49-F238E27FC236}">
-                <a16:creationId xmlns="" xmlns:a16="http://schemas.microsoft.com/office/drawing/2014/main" id="{5C8D4D09-5433-3A54-3D99-5B8C0D9866C0}"/>
+                <a16:creationId xmlns:a16="http://schemas.microsoft.com/office/drawing/2014/main" xmlns="" id="{5C8D4D09-5433-3A54-3D99-5B8C0D9866C0}"/>
               </a:ext>
             </a:extLst>
           </p:cNvPr>
@@ -5498,7 +5498,7 @@
           <p:cNvPr id="3" name="직사각형 2">
             <a:extLst>
               <a:ext uri="{FF2B5EF4-FFF2-40B4-BE49-F238E27FC236}">
-                <a16:creationId xmlns="" xmlns:a16="http://schemas.microsoft.com/office/drawing/2014/main" id="{A404E3D5-5E31-1DC2-CC37-C43DBBF84CB4}"/>
+                <a16:creationId xmlns:a16="http://schemas.microsoft.com/office/drawing/2014/main" xmlns="" id="{A404E3D5-5E31-1DC2-CC37-C43DBBF84CB4}"/>
               </a:ext>
             </a:extLst>
           </p:cNvPr>
@@ -5551,7 +5551,7 @@
           <p:cNvPr id="19" name="표 19">
             <a:extLst>
               <a:ext uri="{FF2B5EF4-FFF2-40B4-BE49-F238E27FC236}">
-                <a16:creationId xmlns="" xmlns:a16="http://schemas.microsoft.com/office/drawing/2014/main" id="{A9437FBF-E67C-E684-DA3F-1A9F54C0916E}"/>
+                <a16:creationId xmlns:a16="http://schemas.microsoft.com/office/drawing/2014/main" xmlns="" id="{A9437FBF-E67C-E684-DA3F-1A9F54C0916E}"/>
               </a:ext>
             </a:extLst>
           </p:cNvPr>
@@ -5580,7 +5580,7 @@
                 <a:gridCol w="1432736">
                   <a:extLst>
                     <a:ext uri="{9D8B030D-6E8A-4147-A177-3AD203B41FA5}">
-                      <a16:colId xmlns="" xmlns:a16="http://schemas.microsoft.com/office/drawing/2014/main" val="1618415641"/>
+                      <a16:colId xmlns:a16="http://schemas.microsoft.com/office/drawing/2014/main" xmlns="" val="1618415641"/>
                     </a:ext>
                   </a:extLst>
                 </a:gridCol>
@@ -5588,21 +5588,21 @@
                 <a:gridCol w="1387791">
                   <a:extLst>
                     <a:ext uri="{9D8B030D-6E8A-4147-A177-3AD203B41FA5}">
-                      <a16:colId xmlns="" xmlns:a16="http://schemas.microsoft.com/office/drawing/2014/main" val="4073962845"/>
+                      <a16:colId xmlns:a16="http://schemas.microsoft.com/office/drawing/2014/main" xmlns="" val="4073962845"/>
                     </a:ext>
                   </a:extLst>
                 </a:gridCol>
                 <a:gridCol w="1461031">
                   <a:extLst>
                     <a:ext uri="{9D8B030D-6E8A-4147-A177-3AD203B41FA5}">
-                      <a16:colId xmlns="" xmlns:a16="http://schemas.microsoft.com/office/drawing/2014/main" val="361970199"/>
+                      <a16:colId xmlns:a16="http://schemas.microsoft.com/office/drawing/2014/main" xmlns="" val="361970199"/>
                     </a:ext>
                   </a:extLst>
                 </a:gridCol>
                 <a:gridCol w="1235613">
                   <a:extLst>
                     <a:ext uri="{9D8B030D-6E8A-4147-A177-3AD203B41FA5}">
-                      <a16:colId xmlns="" xmlns:a16="http://schemas.microsoft.com/office/drawing/2014/main" val="759743309"/>
+                      <a16:colId xmlns:a16="http://schemas.microsoft.com/office/drawing/2014/main" xmlns="" val="759743309"/>
                     </a:ext>
                   </a:extLst>
                 </a:gridCol>
@@ -5699,7 +5699,7 @@
                 </a:tc>
                 <a:extLst>
                   <a:ext uri="{0D108BD9-81ED-4DB2-BD59-A6C34878D82A}">
-                    <a16:rowId xmlns="" xmlns:a16="http://schemas.microsoft.com/office/drawing/2014/main" val="3632594873"/>
+                    <a16:rowId xmlns:a16="http://schemas.microsoft.com/office/drawing/2014/main" xmlns="" val="3632594873"/>
                   </a:ext>
                 </a:extLst>
               </a:tr>
@@ -5802,7 +5802,7 @@
                 </a:tc>
                 <a:extLst>
                   <a:ext uri="{0D108BD9-81ED-4DB2-BD59-A6C34878D82A}">
-                    <a16:rowId xmlns="" xmlns:a16="http://schemas.microsoft.com/office/drawing/2014/main" val="1698924023"/>
+                    <a16:rowId xmlns:a16="http://schemas.microsoft.com/office/drawing/2014/main" xmlns="" val="1698924023"/>
                   </a:ext>
                 </a:extLst>
               </a:tr>
@@ -5901,7 +5901,7 @@
                 </a:tc>
                 <a:extLst>
                   <a:ext uri="{0D108BD9-81ED-4DB2-BD59-A6C34878D82A}">
-                    <a16:rowId xmlns="" xmlns:a16="http://schemas.microsoft.com/office/drawing/2014/main" val="4130420725"/>
+                    <a16:rowId xmlns:a16="http://schemas.microsoft.com/office/drawing/2014/main" xmlns="" val="4130420725"/>
                   </a:ext>
                 </a:extLst>
               </a:tr>
@@ -6000,7 +6000,7 @@
                 </a:tc>
                 <a:extLst>
                   <a:ext uri="{0D108BD9-81ED-4DB2-BD59-A6C34878D82A}">
-                    <a16:rowId xmlns="" xmlns:a16="http://schemas.microsoft.com/office/drawing/2014/main" val="2624797284"/>
+                    <a16:rowId xmlns:a16="http://schemas.microsoft.com/office/drawing/2014/main" xmlns="" val="2624797284"/>
                   </a:ext>
                 </a:extLst>
               </a:tr>
@@ -6073,7 +6073,7 @@
                 </a:tc>
                 <a:extLst>
                   <a:ext uri="{0D108BD9-81ED-4DB2-BD59-A6C34878D82A}">
-                    <a16:rowId xmlns="" xmlns:a16="http://schemas.microsoft.com/office/drawing/2014/main" val="2273159815"/>
+                    <a16:rowId xmlns:a16="http://schemas.microsoft.com/office/drawing/2014/main" xmlns="" val="2273159815"/>
                   </a:ext>
                 </a:extLst>
               </a:tr>
@@ -6466,7 +6466,7 @@
         <p:spPr>
           <a:xfrm>
             <a:off x="2664598" y="1286950"/>
-            <a:ext cx="8031649" cy="3778025"/>
+            <a:ext cx="8332916" cy="3778025"/>
           </a:xfrm>
           <a:prstGeom prst="rect">
             <a:avLst/>
@@ -6536,7 +6536,7 @@
           <p:cNvPr id="2" name="직사각형 1">
             <a:extLst>
               <a:ext uri="{FF2B5EF4-FFF2-40B4-BE49-F238E27FC236}">
-                <a16:creationId xmlns="" xmlns:a16="http://schemas.microsoft.com/office/drawing/2014/main" id="{631107C3-3147-B44F-62F8-DB5AF909181B}"/>
+                <a16:creationId xmlns:a16="http://schemas.microsoft.com/office/drawing/2014/main" xmlns="" id="{631107C3-3147-B44F-62F8-DB5AF909181B}"/>
               </a:ext>
             </a:extLst>
           </p:cNvPr>
@@ -6586,7 +6586,7 @@
           <p:cNvPr id="3" name="직사각형 2">
             <a:extLst>
               <a:ext uri="{FF2B5EF4-FFF2-40B4-BE49-F238E27FC236}">
-                <a16:creationId xmlns="" xmlns:a16="http://schemas.microsoft.com/office/drawing/2014/main" id="{6096EE31-70C6-52E6-C4A6-4BE38DEFC3FA}"/>
+                <a16:creationId xmlns:a16="http://schemas.microsoft.com/office/drawing/2014/main" xmlns="" id="{6096EE31-70C6-52E6-C4A6-4BE38DEFC3FA}"/>
               </a:ext>
             </a:extLst>
           </p:cNvPr>
@@ -6636,16 +6636,16 @@
       </p:sp>
       <p:sp>
         <p:nvSpPr>
-          <p:cNvPr id="5" name="타원 4"/>
+          <p:cNvPr id="22" name="직사각형 21"/>
           <p:cNvSpPr/>
           <p:nvPr/>
         </p:nvSpPr>
         <p:spPr>
           <a:xfrm>
-            <a:off x="3072713" y="2736886"/>
-            <a:ext cx="2166552" cy="2125362"/>
-          </a:xfrm>
-          <a:prstGeom prst="ellipse">
+            <a:off x="2759675" y="2189943"/>
+            <a:ext cx="5090984" cy="2785113"/>
+          </a:xfrm>
+          <a:prstGeom prst="rect">
             <a:avLst/>
           </a:prstGeom>
         </p:spPr>
@@ -6676,16 +6676,16 @@
       </p:sp>
       <p:sp>
         <p:nvSpPr>
-          <p:cNvPr id="13" name="타원 12"/>
+          <p:cNvPr id="24" name="직사각형 23"/>
           <p:cNvSpPr/>
           <p:nvPr/>
         </p:nvSpPr>
         <p:spPr>
           <a:xfrm>
-            <a:off x="5666420" y="2736886"/>
-            <a:ext cx="2166552" cy="2125362"/>
-          </a:xfrm>
-          <a:prstGeom prst="ellipse">
+            <a:off x="8471405" y="1478954"/>
+            <a:ext cx="1260389" cy="471097"/>
+          </a:xfrm>
+          <a:prstGeom prst="rect">
             <a:avLst/>
           </a:prstGeom>
         </p:spPr>
@@ -6716,16 +6716,16 @@
       </p:sp>
       <p:sp>
         <p:nvSpPr>
-          <p:cNvPr id="18" name="타원 17"/>
+          <p:cNvPr id="26" name="모서리가 둥근 직사각형 25"/>
           <p:cNvSpPr/>
           <p:nvPr/>
         </p:nvSpPr>
         <p:spPr>
           <a:xfrm>
-            <a:off x="8365523" y="2789058"/>
-            <a:ext cx="2166552" cy="2125362"/>
-          </a:xfrm>
-          <a:prstGeom prst="ellipse">
+            <a:off x="2759675" y="1455011"/>
+            <a:ext cx="1639330" cy="518984"/>
+          </a:xfrm>
+          <a:prstGeom prst="roundRect">
             <a:avLst/>
           </a:prstGeom>
         </p:spPr>
@@ -6750,22 +6750,134 @@
           <a:lstStyle/>
           <a:p>
             <a:pPr algn="ctr"/>
-            <a:endParaRPr lang="ko-KR" altLang="en-US"/>
-          </a:p>
-        </p:txBody>
-      </p:sp>
-      <p:sp>
-        <p:nvSpPr>
-          <p:cNvPr id="6" name="직사각형 5"/>
+            <a:r>
+              <a:rPr lang="ko-KR" altLang="en-US" dirty="0" smtClean="0"/>
+              <a:t>규격</a:t>
+            </a:r>
+            <a:r>
+              <a:rPr lang="en-US" altLang="ko-KR" dirty="0" smtClean="0"/>
+              <a:t>(</a:t>
+            </a:r>
+            <a:r>
+              <a:rPr lang="ko-KR" altLang="en-US" dirty="0" smtClean="0"/>
+              <a:t>인치</a:t>
+            </a:r>
+            <a:r>
+              <a:rPr lang="en-US" altLang="ko-KR" dirty="0" smtClean="0"/>
+              <a:t>)</a:t>
+            </a:r>
+            <a:endParaRPr lang="ko-KR" altLang="en-US" dirty="0"/>
+          </a:p>
+        </p:txBody>
+      </p:sp>
+      <p:sp>
+        <p:nvSpPr>
+          <p:cNvPr id="27" name="모서리가 둥근 직사각형 26"/>
           <p:cNvSpPr/>
           <p:nvPr/>
         </p:nvSpPr>
         <p:spPr>
           <a:xfrm>
-            <a:off x="2759676" y="1386581"/>
-            <a:ext cx="2133600" cy="387179"/>
-          </a:xfrm>
-          <a:prstGeom prst="rect">
+            <a:off x="4543971" y="1455011"/>
+            <a:ext cx="1650884" cy="518984"/>
+          </a:xfrm>
+          <a:prstGeom prst="roundRect">
+            <a:avLst/>
+          </a:prstGeom>
+        </p:spPr>
+        <p:style>
+          <a:lnRef idx="2">
+            <a:schemeClr val="accent1">
+              <a:shade val="50000"/>
+            </a:schemeClr>
+          </a:lnRef>
+          <a:fillRef idx="1">
+            <a:schemeClr val="accent1"/>
+          </a:fillRef>
+          <a:effectRef idx="0">
+            <a:schemeClr val="accent1"/>
+          </a:effectRef>
+          <a:fontRef idx="minor">
+            <a:schemeClr val="lt1"/>
+          </a:fontRef>
+        </p:style>
+        <p:txBody>
+          <a:bodyPr rtlCol="0" anchor="ctr"/>
+          <a:lstStyle/>
+          <a:p>
+            <a:pPr algn="ctr"/>
+            <a:r>
+              <a:rPr lang="ko-KR" altLang="en-US" dirty="0" smtClean="0"/>
+              <a:t>패널</a:t>
+            </a:r>
+            <a:r>
+              <a:rPr lang="en-US" altLang="ko-KR" dirty="0" smtClean="0"/>
+              <a:t>(IPS)</a:t>
+            </a:r>
+            <a:endParaRPr lang="ko-KR" altLang="en-US" dirty="0"/>
+          </a:p>
+        </p:txBody>
+      </p:sp>
+      <p:sp>
+        <p:nvSpPr>
+          <p:cNvPr id="28" name="모서리가 둥근 직사각형 27"/>
+          <p:cNvSpPr/>
+          <p:nvPr/>
+        </p:nvSpPr>
+        <p:spPr>
+          <a:xfrm>
+            <a:off x="6359050" y="1455011"/>
+            <a:ext cx="1650884" cy="518984"/>
+          </a:xfrm>
+          <a:prstGeom prst="roundRect">
+            <a:avLst/>
+          </a:prstGeom>
+        </p:spPr>
+        <p:style>
+          <a:lnRef idx="2">
+            <a:schemeClr val="accent1">
+              <a:shade val="50000"/>
+            </a:schemeClr>
+          </a:lnRef>
+          <a:fillRef idx="1">
+            <a:schemeClr val="accent1"/>
+          </a:fillRef>
+          <a:effectRef idx="0">
+            <a:schemeClr val="accent1"/>
+          </a:effectRef>
+          <a:fontRef idx="minor">
+            <a:schemeClr val="lt1"/>
+          </a:fontRef>
+        </p:style>
+        <p:txBody>
+          <a:bodyPr rtlCol="0" anchor="ctr"/>
+          <a:lstStyle/>
+          <a:p>
+            <a:pPr algn="ctr"/>
+            <a:r>
+              <a:rPr lang="ko-KR" altLang="en-US" dirty="0" err="1" smtClean="0"/>
+              <a:t>주사율</a:t>
+            </a:r>
+            <a:r>
+              <a:rPr lang="en-US" altLang="ko-KR" dirty="0" smtClean="0"/>
+              <a:t>(IPS)</a:t>
+            </a:r>
+            <a:endParaRPr lang="ko-KR" altLang="en-US" dirty="0"/>
+          </a:p>
+        </p:txBody>
+      </p:sp>
+      <p:sp>
+        <p:nvSpPr>
+          <p:cNvPr id="7" name="타원 6"/>
+          <p:cNvSpPr/>
+          <p:nvPr/>
+        </p:nvSpPr>
+        <p:spPr>
+          <a:xfrm>
+            <a:off x="8132562" y="2189943"/>
+            <a:ext cx="2446637" cy="1965812"/>
+          </a:xfrm>
+          <a:prstGeom prst="ellipse">
             <a:avLst/>
           </a:prstGeom>
         </p:spPr>
@@ -6918,7 +7030,7 @@
         </p:nvSpPr>
         <p:spPr>
           <a:xfrm>
-            <a:off x="2699104" y="1287034"/>
+            <a:off x="2633201" y="1291846"/>
             <a:ext cx="8031649" cy="3778025"/>
           </a:xfrm>
           <a:prstGeom prst="rect">
@@ -7190,7 +7302,7 @@
           <p:cNvPr id="2" name="직사각형 1">
             <a:extLst>
               <a:ext uri="{FF2B5EF4-FFF2-40B4-BE49-F238E27FC236}">
-                <a16:creationId xmlns="" xmlns:a16="http://schemas.microsoft.com/office/drawing/2014/main" id="{FC8841BC-C1C1-DE1B-3938-F590D05496A8}"/>
+                <a16:creationId xmlns:a16="http://schemas.microsoft.com/office/drawing/2014/main" xmlns="" id="{FC8841BC-C1C1-DE1B-3938-F590D05496A8}"/>
               </a:ext>
             </a:extLst>
           </p:cNvPr>
@@ -7240,7 +7352,7 @@
           <p:cNvPr id="3" name="직사각형 2">
             <a:extLst>
               <a:ext uri="{FF2B5EF4-FFF2-40B4-BE49-F238E27FC236}">
-                <a16:creationId xmlns="" xmlns:a16="http://schemas.microsoft.com/office/drawing/2014/main" id="{1EFE38DE-8C8E-26A9-7D91-99AD6E5175B5}"/>
+                <a16:creationId xmlns:a16="http://schemas.microsoft.com/office/drawing/2014/main" xmlns="" id="{1EFE38DE-8C8E-26A9-7D91-99AD6E5175B5}"/>
               </a:ext>
             </a:extLst>
           </p:cNvPr>
@@ -7285,6 +7397,474 @@
               <a:rPr lang="ko-KR" altLang="en-US" dirty="0"/>
               <a:t>회사명</a:t>
             </a:r>
+          </a:p>
+        </p:txBody>
+      </p:sp>
+      <p:pic>
+        <p:nvPicPr>
+          <p:cNvPr id="5" name="그림 4"/>
+          <p:cNvPicPr>
+            <a:picLocks noChangeAspect="1"/>
+          </p:cNvPicPr>
+          <p:nvPr/>
+        </p:nvPicPr>
+        <p:blipFill>
+          <a:blip r:embed="rId2"/>
+          <a:stretch>
+            <a:fillRect/>
+          </a:stretch>
+        </p:blipFill>
+        <p:spPr>
+          <a:xfrm>
+            <a:off x="5455988" y="2146003"/>
+            <a:ext cx="4900540" cy="2529667"/>
+          </a:xfrm>
+          <a:prstGeom prst="rect">
+            <a:avLst/>
+          </a:prstGeom>
+        </p:spPr>
+      </p:pic>
+      <p:sp>
+        <p:nvSpPr>
+          <p:cNvPr id="6" name="모서리가 둥근 직사각형 5"/>
+          <p:cNvSpPr/>
+          <p:nvPr/>
+        </p:nvSpPr>
+        <p:spPr>
+          <a:xfrm>
+            <a:off x="2885425" y="2146003"/>
+            <a:ext cx="2306590" cy="2529667"/>
+          </a:xfrm>
+          <a:prstGeom prst="roundRect">
+            <a:avLst/>
+          </a:prstGeom>
+        </p:spPr>
+        <p:style>
+          <a:lnRef idx="2">
+            <a:schemeClr val="accent1">
+              <a:shade val="50000"/>
+            </a:schemeClr>
+          </a:lnRef>
+          <a:fillRef idx="1">
+            <a:schemeClr val="accent1"/>
+          </a:fillRef>
+          <a:effectRef idx="0">
+            <a:schemeClr val="accent1"/>
+          </a:effectRef>
+          <a:fontRef idx="minor">
+            <a:schemeClr val="lt1"/>
+          </a:fontRef>
+        </p:style>
+        <p:txBody>
+          <a:bodyPr rtlCol="0" anchor="ctr"/>
+          <a:lstStyle/>
+          <a:p>
+            <a:pPr algn="ctr"/>
+            <a:endParaRPr lang="ko-KR" altLang="en-US"/>
+          </a:p>
+        </p:txBody>
+      </p:sp>
+      <p:sp>
+        <p:nvSpPr>
+          <p:cNvPr id="7" name="모서리가 둥근 직사각형 6"/>
+          <p:cNvSpPr/>
+          <p:nvPr/>
+        </p:nvSpPr>
+        <p:spPr>
+          <a:xfrm>
+            <a:off x="2973859" y="1400432"/>
+            <a:ext cx="1639330" cy="518984"/>
+          </a:xfrm>
+          <a:prstGeom prst="roundRect">
+            <a:avLst/>
+          </a:prstGeom>
+        </p:spPr>
+        <p:style>
+          <a:lnRef idx="2">
+            <a:schemeClr val="accent1">
+              <a:shade val="50000"/>
+            </a:schemeClr>
+          </a:lnRef>
+          <a:fillRef idx="1">
+            <a:schemeClr val="accent1"/>
+          </a:fillRef>
+          <a:effectRef idx="0">
+            <a:schemeClr val="accent1"/>
+          </a:effectRef>
+          <a:fontRef idx="minor">
+            <a:schemeClr val="lt1"/>
+          </a:fontRef>
+        </p:style>
+        <p:txBody>
+          <a:bodyPr rtlCol="0" anchor="ctr"/>
+          <a:lstStyle/>
+          <a:p>
+            <a:pPr algn="ctr"/>
+            <a:r>
+              <a:rPr lang="ko-KR" altLang="en-US" dirty="0" smtClean="0"/>
+              <a:t>규격</a:t>
+            </a:r>
+            <a:r>
+              <a:rPr lang="en-US" altLang="ko-KR" dirty="0" smtClean="0"/>
+              <a:t>(</a:t>
+            </a:r>
+            <a:r>
+              <a:rPr lang="ko-KR" altLang="en-US" dirty="0" smtClean="0"/>
+              <a:t>인치</a:t>
+            </a:r>
+            <a:r>
+              <a:rPr lang="en-US" altLang="ko-KR" dirty="0" smtClean="0"/>
+              <a:t>)</a:t>
+            </a:r>
+            <a:endParaRPr lang="ko-KR" altLang="en-US" dirty="0"/>
+          </a:p>
+        </p:txBody>
+      </p:sp>
+      <p:sp>
+        <p:nvSpPr>
+          <p:cNvPr id="8" name="모서리가 둥근 직사각형 7"/>
+          <p:cNvSpPr/>
+          <p:nvPr/>
+        </p:nvSpPr>
+        <p:spPr>
+          <a:xfrm>
+            <a:off x="4758155" y="1400432"/>
+            <a:ext cx="1650884" cy="518984"/>
+          </a:xfrm>
+          <a:prstGeom prst="roundRect">
+            <a:avLst/>
+          </a:prstGeom>
+        </p:spPr>
+        <p:style>
+          <a:lnRef idx="2">
+            <a:schemeClr val="accent1">
+              <a:shade val="50000"/>
+            </a:schemeClr>
+          </a:lnRef>
+          <a:fillRef idx="1">
+            <a:schemeClr val="accent1"/>
+          </a:fillRef>
+          <a:effectRef idx="0">
+            <a:schemeClr val="accent1"/>
+          </a:effectRef>
+          <a:fontRef idx="minor">
+            <a:schemeClr val="lt1"/>
+          </a:fontRef>
+        </p:style>
+        <p:txBody>
+          <a:bodyPr rtlCol="0" anchor="ctr"/>
+          <a:lstStyle/>
+          <a:p>
+            <a:pPr algn="ctr"/>
+            <a:r>
+              <a:rPr lang="ko-KR" altLang="en-US" dirty="0" smtClean="0"/>
+              <a:t>패널</a:t>
+            </a:r>
+            <a:r>
+              <a:rPr lang="en-US" altLang="ko-KR" dirty="0" smtClean="0"/>
+              <a:t>(IPS)</a:t>
+            </a:r>
+            <a:endParaRPr lang="ko-KR" altLang="en-US" dirty="0"/>
+          </a:p>
+        </p:txBody>
+      </p:sp>
+      <p:sp>
+        <p:nvSpPr>
+          <p:cNvPr id="18" name="모서리가 둥근 직사각형 17"/>
+          <p:cNvSpPr/>
+          <p:nvPr/>
+        </p:nvSpPr>
+        <p:spPr>
+          <a:xfrm>
+            <a:off x="8685589" y="1400432"/>
+            <a:ext cx="1325319" cy="518984"/>
+          </a:xfrm>
+          <a:prstGeom prst="roundRect">
+            <a:avLst/>
+          </a:prstGeom>
+        </p:spPr>
+        <p:style>
+          <a:lnRef idx="2">
+            <a:schemeClr val="accent1">
+              <a:shade val="50000"/>
+            </a:schemeClr>
+          </a:lnRef>
+          <a:fillRef idx="1">
+            <a:schemeClr val="accent1"/>
+          </a:fillRef>
+          <a:effectRef idx="0">
+            <a:schemeClr val="accent1"/>
+          </a:effectRef>
+          <a:fontRef idx="minor">
+            <a:schemeClr val="lt1"/>
+          </a:fontRef>
+        </p:style>
+        <p:txBody>
+          <a:bodyPr rtlCol="0" anchor="ctr"/>
+          <a:lstStyle/>
+          <a:p>
+            <a:pPr algn="ctr"/>
+            <a:r>
+              <a:rPr lang="ko-KR" altLang="en-US" dirty="0" smtClean="0"/>
+              <a:t>검색 </a:t>
+            </a:r>
+            <a:endParaRPr lang="ko-KR" altLang="en-US" dirty="0"/>
+          </a:p>
+        </p:txBody>
+      </p:sp>
+      <p:sp>
+        <p:nvSpPr>
+          <p:cNvPr id="19" name="모서리가 둥근 직사각형 18"/>
+          <p:cNvSpPr/>
+          <p:nvPr/>
+        </p:nvSpPr>
+        <p:spPr>
+          <a:xfrm>
+            <a:off x="6573234" y="1400432"/>
+            <a:ext cx="1650884" cy="518984"/>
+          </a:xfrm>
+          <a:prstGeom prst="roundRect">
+            <a:avLst/>
+          </a:prstGeom>
+        </p:spPr>
+        <p:style>
+          <a:lnRef idx="2">
+            <a:schemeClr val="accent1">
+              <a:shade val="50000"/>
+            </a:schemeClr>
+          </a:lnRef>
+          <a:fillRef idx="1">
+            <a:schemeClr val="accent1"/>
+          </a:fillRef>
+          <a:effectRef idx="0">
+            <a:schemeClr val="accent1"/>
+          </a:effectRef>
+          <a:fontRef idx="minor">
+            <a:schemeClr val="lt1"/>
+          </a:fontRef>
+        </p:style>
+        <p:txBody>
+          <a:bodyPr rtlCol="0" anchor="ctr"/>
+          <a:lstStyle/>
+          <a:p>
+            <a:pPr algn="ctr"/>
+            <a:r>
+              <a:rPr lang="ko-KR" altLang="en-US" dirty="0" err="1" smtClean="0"/>
+              <a:t>주사율</a:t>
+            </a:r>
+            <a:r>
+              <a:rPr lang="en-US" altLang="ko-KR" dirty="0" smtClean="0"/>
+              <a:t>(IPS)</a:t>
+            </a:r>
+            <a:endParaRPr lang="ko-KR" altLang="en-US" dirty="0"/>
+          </a:p>
+        </p:txBody>
+      </p:sp>
+      <p:sp>
+        <p:nvSpPr>
+          <p:cNvPr id="9" name="모서리가 둥근 직사각형 8"/>
+          <p:cNvSpPr/>
+          <p:nvPr/>
+        </p:nvSpPr>
+        <p:spPr>
+          <a:xfrm>
+            <a:off x="3041704" y="2270691"/>
+            <a:ext cx="1856292" cy="496195"/>
+          </a:xfrm>
+          <a:prstGeom prst="roundRect">
+            <a:avLst/>
+          </a:prstGeom>
+        </p:spPr>
+        <p:style>
+          <a:lnRef idx="2">
+            <a:schemeClr val="accent1">
+              <a:shade val="50000"/>
+            </a:schemeClr>
+          </a:lnRef>
+          <a:fillRef idx="1">
+            <a:schemeClr val="accent1"/>
+          </a:fillRef>
+          <a:effectRef idx="0">
+            <a:schemeClr val="accent1"/>
+          </a:effectRef>
+          <a:fontRef idx="minor">
+            <a:schemeClr val="lt1"/>
+          </a:fontRef>
+        </p:style>
+        <p:txBody>
+          <a:bodyPr rtlCol="0" anchor="ctr"/>
+          <a:lstStyle/>
+          <a:p>
+            <a:pPr algn="ctr"/>
+            <a:r>
+              <a:rPr lang="ko-KR" altLang="en-US" dirty="0" smtClean="0"/>
+              <a:t>월평균 불량률</a:t>
+            </a:r>
+            <a:endParaRPr lang="ko-KR" altLang="en-US" dirty="0"/>
+          </a:p>
+        </p:txBody>
+      </p:sp>
+      <p:sp>
+        <p:nvSpPr>
+          <p:cNvPr id="20" name="모서리가 둥근 직사각형 19"/>
+          <p:cNvSpPr/>
+          <p:nvPr/>
+        </p:nvSpPr>
+        <p:spPr>
+          <a:xfrm>
+            <a:off x="3041704" y="2840081"/>
+            <a:ext cx="1856292" cy="496195"/>
+          </a:xfrm>
+          <a:prstGeom prst="roundRect">
+            <a:avLst/>
+          </a:prstGeom>
+        </p:spPr>
+        <p:style>
+          <a:lnRef idx="2">
+            <a:schemeClr val="accent1">
+              <a:shade val="50000"/>
+            </a:schemeClr>
+          </a:lnRef>
+          <a:fillRef idx="1">
+            <a:schemeClr val="accent1"/>
+          </a:fillRef>
+          <a:effectRef idx="0">
+            <a:schemeClr val="accent1"/>
+          </a:effectRef>
+          <a:fontRef idx="minor">
+            <a:schemeClr val="lt1"/>
+          </a:fontRef>
+        </p:style>
+        <p:txBody>
+          <a:bodyPr rtlCol="0" anchor="ctr"/>
+          <a:lstStyle/>
+          <a:p>
+            <a:pPr algn="ctr"/>
+            <a:r>
+              <a:rPr lang="ko-KR" altLang="en-US" smtClean="0"/>
+              <a:t>금일 불량률</a:t>
+            </a:r>
+            <a:endParaRPr lang="ko-KR" altLang="en-US" dirty="0"/>
+          </a:p>
+        </p:txBody>
+      </p:sp>
+      <p:sp>
+        <p:nvSpPr>
+          <p:cNvPr id="21" name="모서리가 둥근 직사각형 20"/>
+          <p:cNvSpPr/>
+          <p:nvPr/>
+        </p:nvSpPr>
+        <p:spPr>
+          <a:xfrm>
+            <a:off x="3041703" y="3466369"/>
+            <a:ext cx="2798923" cy="496195"/>
+          </a:xfrm>
+          <a:prstGeom prst="roundRect">
+            <a:avLst/>
+          </a:prstGeom>
+        </p:spPr>
+        <p:style>
+          <a:lnRef idx="2">
+            <a:schemeClr val="accent1">
+              <a:shade val="50000"/>
+            </a:schemeClr>
+          </a:lnRef>
+          <a:fillRef idx="1">
+            <a:schemeClr val="accent1"/>
+          </a:fillRef>
+          <a:effectRef idx="0">
+            <a:schemeClr val="accent1"/>
+          </a:effectRef>
+          <a:fontRef idx="minor">
+            <a:schemeClr val="lt1"/>
+          </a:fontRef>
+        </p:style>
+        <p:txBody>
+          <a:bodyPr rtlCol="0" anchor="ctr"/>
+          <a:lstStyle/>
+          <a:p>
+            <a:pPr algn="ctr"/>
+            <a:r>
+              <a:rPr lang="ko-KR" altLang="en-US" dirty="0" smtClean="0"/>
+              <a:t>최대값 </a:t>
+            </a:r>
+            <a:r>
+              <a:rPr lang="en-US" altLang="ko-KR" dirty="0" smtClean="0"/>
+              <a:t>: </a:t>
+            </a:r>
+            <a:r>
+              <a:rPr lang="ko-KR" altLang="en-US" dirty="0" smtClean="0"/>
+              <a:t>금일 가장 많은 불량 </a:t>
+            </a:r>
+            <a:r>
+              <a:rPr lang="ko-KR" altLang="en-US" dirty="0" err="1" smtClean="0"/>
+              <a:t>갯수가</a:t>
+            </a:r>
+            <a:r>
+              <a:rPr lang="ko-KR" altLang="en-US" dirty="0" smtClean="0"/>
+              <a:t> 나온 시간</a:t>
+            </a:r>
+            <a:endParaRPr lang="ko-KR" altLang="en-US" dirty="0"/>
+          </a:p>
+        </p:txBody>
+      </p:sp>
+      <p:sp>
+        <p:nvSpPr>
+          <p:cNvPr id="22" name="모서리가 둥근 직사각형 21"/>
+          <p:cNvSpPr/>
+          <p:nvPr/>
+        </p:nvSpPr>
+        <p:spPr>
+          <a:xfrm>
+            <a:off x="3041703" y="4071019"/>
+            <a:ext cx="2798923" cy="496195"/>
+          </a:xfrm>
+          <a:prstGeom prst="roundRect">
+            <a:avLst/>
+          </a:prstGeom>
+        </p:spPr>
+        <p:style>
+          <a:lnRef idx="2">
+            <a:schemeClr val="accent1">
+              <a:shade val="50000"/>
+            </a:schemeClr>
+          </a:lnRef>
+          <a:fillRef idx="1">
+            <a:schemeClr val="accent1"/>
+          </a:fillRef>
+          <a:effectRef idx="0">
+            <a:schemeClr val="accent1"/>
+          </a:effectRef>
+          <a:fontRef idx="minor">
+            <a:schemeClr val="lt1"/>
+          </a:fontRef>
+        </p:style>
+        <p:txBody>
+          <a:bodyPr rtlCol="0" anchor="ctr"/>
+          <a:lstStyle/>
+          <a:p>
+            <a:pPr algn="ctr"/>
+            <a:r>
+              <a:rPr lang="ko-KR" altLang="en-US" dirty="0" smtClean="0"/>
+              <a:t>최소값 </a:t>
+            </a:r>
+            <a:r>
+              <a:rPr lang="en-US" altLang="ko-KR" dirty="0" smtClean="0"/>
+              <a:t>: </a:t>
+            </a:r>
+            <a:r>
+              <a:rPr lang="ko-KR" altLang="en-US" dirty="0" smtClean="0"/>
+              <a:t>금일 가장 적은 불량 </a:t>
+            </a:r>
+            <a:r>
+              <a:rPr lang="ko-KR" altLang="en-US" dirty="0" err="1" smtClean="0"/>
+              <a:t>갯수가</a:t>
+            </a:r>
+            <a:r>
+              <a:rPr lang="ko-KR" altLang="en-US" dirty="0" smtClean="0"/>
+              <a:t> 나온 시간</a:t>
+            </a:r>
+            <a:endParaRPr lang="ko-KR" altLang="en-US" dirty="0"/>
           </a:p>
         </p:txBody>
       </p:sp>

--- a/doc/01. 프로젝트 설계/윈폼 구성 샘플 4조 (1).pptx
+++ b/doc/01. 프로젝트 설계/윈폼 구성 샘플 4조 (1).pptx
@@ -245,7 +245,7 @@
           <a:p>
             <a:fld id="{BFC7CD1C-A75A-4822-A2B7-344908CF03CC}" type="datetimeFigureOut">
               <a:rPr lang="ko-KR" altLang="en-US" smtClean="0"/>
-              <a:t>2022-11-30</a:t>
+              <a:t>2022-12-13</a:t>
             </a:fld>
             <a:endParaRPr lang="ko-KR" altLang="en-US"/>
           </a:p>
@@ -413,7 +413,7 @@
           <a:p>
             <a:fld id="{BFC7CD1C-A75A-4822-A2B7-344908CF03CC}" type="datetimeFigureOut">
               <a:rPr lang="ko-KR" altLang="en-US" smtClean="0"/>
-              <a:t>2022-11-30</a:t>
+              <a:t>2022-12-13</a:t>
             </a:fld>
             <a:endParaRPr lang="ko-KR" altLang="en-US"/>
           </a:p>
@@ -591,7 +591,7 @@
           <a:p>
             <a:fld id="{BFC7CD1C-A75A-4822-A2B7-344908CF03CC}" type="datetimeFigureOut">
               <a:rPr lang="ko-KR" altLang="en-US" smtClean="0"/>
-              <a:t>2022-11-30</a:t>
+              <a:t>2022-12-13</a:t>
             </a:fld>
             <a:endParaRPr lang="ko-KR" altLang="en-US"/>
           </a:p>
@@ -759,7 +759,7 @@
           <a:p>
             <a:fld id="{BFC7CD1C-A75A-4822-A2B7-344908CF03CC}" type="datetimeFigureOut">
               <a:rPr lang="ko-KR" altLang="en-US" smtClean="0"/>
-              <a:t>2022-11-30</a:t>
+              <a:t>2022-12-13</a:t>
             </a:fld>
             <a:endParaRPr lang="ko-KR" altLang="en-US"/>
           </a:p>
@@ -1004,7 +1004,7 @@
           <a:p>
             <a:fld id="{BFC7CD1C-A75A-4822-A2B7-344908CF03CC}" type="datetimeFigureOut">
               <a:rPr lang="ko-KR" altLang="en-US" smtClean="0"/>
-              <a:t>2022-11-30</a:t>
+              <a:t>2022-12-13</a:t>
             </a:fld>
             <a:endParaRPr lang="ko-KR" altLang="en-US"/>
           </a:p>
@@ -1233,7 +1233,7 @@
           <a:p>
             <a:fld id="{BFC7CD1C-A75A-4822-A2B7-344908CF03CC}" type="datetimeFigureOut">
               <a:rPr lang="ko-KR" altLang="en-US" smtClean="0"/>
-              <a:t>2022-11-30</a:t>
+              <a:t>2022-12-13</a:t>
             </a:fld>
             <a:endParaRPr lang="ko-KR" altLang="en-US"/>
           </a:p>
@@ -1597,7 +1597,7 @@
           <a:p>
             <a:fld id="{BFC7CD1C-A75A-4822-A2B7-344908CF03CC}" type="datetimeFigureOut">
               <a:rPr lang="ko-KR" altLang="en-US" smtClean="0"/>
-              <a:t>2022-11-30</a:t>
+              <a:t>2022-12-13</a:t>
             </a:fld>
             <a:endParaRPr lang="ko-KR" altLang="en-US"/>
           </a:p>
@@ -1714,7 +1714,7 @@
           <a:p>
             <a:fld id="{BFC7CD1C-A75A-4822-A2B7-344908CF03CC}" type="datetimeFigureOut">
               <a:rPr lang="ko-KR" altLang="en-US" smtClean="0"/>
-              <a:t>2022-11-30</a:t>
+              <a:t>2022-12-13</a:t>
             </a:fld>
             <a:endParaRPr lang="ko-KR" altLang="en-US"/>
           </a:p>
@@ -1809,7 +1809,7 @@
           <a:p>
             <a:fld id="{BFC7CD1C-A75A-4822-A2B7-344908CF03CC}" type="datetimeFigureOut">
               <a:rPr lang="ko-KR" altLang="en-US" smtClean="0"/>
-              <a:t>2022-11-30</a:t>
+              <a:t>2022-12-13</a:t>
             </a:fld>
             <a:endParaRPr lang="ko-KR" altLang="en-US"/>
           </a:p>
@@ -2084,7 +2084,7 @@
           <a:p>
             <a:fld id="{BFC7CD1C-A75A-4822-A2B7-344908CF03CC}" type="datetimeFigureOut">
               <a:rPr lang="ko-KR" altLang="en-US" smtClean="0"/>
-              <a:t>2022-11-30</a:t>
+              <a:t>2022-12-13</a:t>
             </a:fld>
             <a:endParaRPr lang="ko-KR" altLang="en-US"/>
           </a:p>
@@ -2336,7 +2336,7 @@
           <a:p>
             <a:fld id="{BFC7CD1C-A75A-4822-A2B7-344908CF03CC}" type="datetimeFigureOut">
               <a:rPr lang="ko-KR" altLang="en-US" smtClean="0"/>
-              <a:t>2022-11-30</a:t>
+              <a:t>2022-12-13</a:t>
             </a:fld>
             <a:endParaRPr lang="ko-KR" altLang="en-US"/>
           </a:p>
@@ -2547,7 +2547,7 @@
           <a:p>
             <a:fld id="{BFC7CD1C-A75A-4822-A2B7-344908CF03CC}" type="datetimeFigureOut">
               <a:rPr lang="ko-KR" altLang="en-US" smtClean="0"/>
-              <a:t>2022-11-30</a:t>
+              <a:t>2022-12-13</a:t>
             </a:fld>
             <a:endParaRPr lang="ko-KR" altLang="en-US"/>
           </a:p>
@@ -2957,7 +2957,7 @@
           <p:cNvPr id="4" name="직사각형 3">
             <a:extLst>
               <a:ext uri="{FF2B5EF4-FFF2-40B4-BE49-F238E27FC236}">
-                <a16:creationId xmlns:a16="http://schemas.microsoft.com/office/drawing/2014/main" xmlns="" id="{46453877-91AC-6AE5-103C-B852A15A2F45}"/>
+                <a16:creationId xmlns="" xmlns:a16="http://schemas.microsoft.com/office/drawing/2014/main" id="{46453877-91AC-6AE5-103C-B852A15A2F45}"/>
               </a:ext>
             </a:extLst>
           </p:cNvPr>
@@ -2966,8 +2966,8 @@
         </p:nvSpPr>
         <p:spPr>
           <a:xfrm>
-            <a:off x="3776133" y="2099733"/>
-            <a:ext cx="4318000" cy="2658534"/>
+            <a:off x="4687329" y="1227438"/>
+            <a:ext cx="2492403" cy="3283694"/>
           </a:xfrm>
           <a:prstGeom prst="rect">
             <a:avLst/>
@@ -2995,10 +2995,29 @@
           <a:p>
             <a:pPr algn="ctr"/>
             <a:r>
-              <a:rPr lang="en-US" altLang="ko-KR" dirty="0"/>
-              <a:t>LOGIN</a:t>
-            </a:r>
-            <a:endParaRPr lang="ko-KR" altLang="en-US" dirty="0"/>
+              <a:rPr lang="en-US" altLang="ko-KR" smtClean="0"/>
+              <a:t>LOGIN FORM</a:t>
+            </a:r>
+          </a:p>
+          <a:p>
+            <a:pPr algn="ctr"/>
+            <a:endParaRPr lang="en-US" altLang="ko-KR" smtClean="0"/>
+          </a:p>
+          <a:p>
+            <a:pPr algn="ctr"/>
+            <a:r>
+              <a:rPr lang="ko-KR" altLang="en-US" smtClean="0"/>
+              <a:t>접속시간 및 </a:t>
+            </a:r>
+            <a:endParaRPr lang="en-US" altLang="ko-KR" smtClean="0"/>
+          </a:p>
+          <a:p>
+            <a:pPr algn="ctr"/>
+            <a:r>
+              <a:rPr lang="ko-KR" altLang="en-US" smtClean="0"/>
+              <a:t>퇴장시간 기록</a:t>
+            </a:r>
+            <a:endParaRPr lang="en-US" altLang="ko-KR" smtClean="0"/>
           </a:p>
         </p:txBody>
       </p:sp>
@@ -3120,132 +3139,6 @@
       </p:sp>
       <p:sp>
         <p:nvSpPr>
-          <p:cNvPr id="27" name="직사각형 26"/>
-          <p:cNvSpPr/>
-          <p:nvPr/>
-        </p:nvSpPr>
-        <p:spPr>
-          <a:xfrm>
-            <a:off x="402761" y="1426858"/>
-            <a:ext cx="1606378" cy="576650"/>
-          </a:xfrm>
-          <a:prstGeom prst="rect">
-            <a:avLst/>
-          </a:prstGeom>
-          <a:solidFill>
-            <a:srgbClr val="FFFF00"/>
-          </a:solidFill>
-        </p:spPr>
-        <p:style>
-          <a:lnRef idx="2">
-            <a:schemeClr val="dk1"/>
-          </a:lnRef>
-          <a:fillRef idx="1">
-            <a:schemeClr val="lt1"/>
-          </a:fillRef>
-          <a:effectRef idx="0">
-            <a:schemeClr val="dk1"/>
-          </a:effectRef>
-          <a:fontRef idx="minor">
-            <a:schemeClr val="dk1"/>
-          </a:fontRef>
-        </p:style>
-        <p:txBody>
-          <a:bodyPr rtlCol="0" anchor="ctr"/>
-          <a:lstStyle/>
-          <a:p>
-            <a:pPr algn="ctr"/>
-            <a:r>
-              <a:rPr lang="ko-KR" altLang="en-US" sz="1600" dirty="0"/>
-              <a:t>모니터링</a:t>
-            </a:r>
-          </a:p>
-        </p:txBody>
-      </p:sp>
-      <p:sp>
-        <p:nvSpPr>
-          <p:cNvPr id="28" name="직사각형 27"/>
-          <p:cNvSpPr/>
-          <p:nvPr/>
-        </p:nvSpPr>
-        <p:spPr>
-          <a:xfrm>
-            <a:off x="380795" y="4051851"/>
-            <a:ext cx="1628344" cy="693320"/>
-          </a:xfrm>
-          <a:prstGeom prst="rect">
-            <a:avLst/>
-          </a:prstGeom>
-        </p:spPr>
-        <p:style>
-          <a:lnRef idx="2">
-            <a:schemeClr val="dk1"/>
-          </a:lnRef>
-          <a:fillRef idx="1">
-            <a:schemeClr val="lt1"/>
-          </a:fillRef>
-          <a:effectRef idx="0">
-            <a:schemeClr val="dk1"/>
-          </a:effectRef>
-          <a:fontRef idx="minor">
-            <a:schemeClr val="dk1"/>
-          </a:fontRef>
-        </p:style>
-        <p:txBody>
-          <a:bodyPr rtlCol="0" anchor="ctr"/>
-          <a:lstStyle/>
-          <a:p>
-            <a:pPr algn="ctr"/>
-            <a:r>
-              <a:rPr lang="ko-KR" altLang="en-US" sz="1400" dirty="0"/>
-              <a:t>불량품 상세정보</a:t>
-            </a:r>
-          </a:p>
-        </p:txBody>
-      </p:sp>
-      <p:sp>
-        <p:nvSpPr>
-          <p:cNvPr id="29" name="직사각형 28"/>
-          <p:cNvSpPr/>
-          <p:nvPr/>
-        </p:nvSpPr>
-        <p:spPr>
-          <a:xfrm>
-            <a:off x="402761" y="3160223"/>
-            <a:ext cx="1606378" cy="576650"/>
-          </a:xfrm>
-          <a:prstGeom prst="rect">
-            <a:avLst/>
-          </a:prstGeom>
-        </p:spPr>
-        <p:style>
-          <a:lnRef idx="2">
-            <a:schemeClr val="dk1"/>
-          </a:lnRef>
-          <a:fillRef idx="1">
-            <a:schemeClr val="lt1"/>
-          </a:fillRef>
-          <a:effectRef idx="0">
-            <a:schemeClr val="dk1"/>
-          </a:effectRef>
-          <a:fontRef idx="minor">
-            <a:schemeClr val="dk1"/>
-          </a:fontRef>
-        </p:style>
-        <p:txBody>
-          <a:bodyPr rtlCol="0" anchor="ctr"/>
-          <a:lstStyle/>
-          <a:p>
-            <a:pPr algn="ctr"/>
-            <a:r>
-              <a:rPr lang="ko-KR" altLang="en-US" sz="1600" dirty="0"/>
-              <a:t>통계</a:t>
-            </a:r>
-          </a:p>
-        </p:txBody>
-      </p:sp>
-      <p:sp>
-        <p:nvSpPr>
           <p:cNvPr id="2" name="직사각형 1"/>
           <p:cNvSpPr/>
           <p:nvPr/>
@@ -4486,14 +4379,14 @@
       </p:sp>
       <p:sp>
         <p:nvSpPr>
-          <p:cNvPr id="65" name="직사각형 64"/>
+          <p:cNvPr id="34" name="직사각형 33"/>
           <p:cNvSpPr/>
           <p:nvPr/>
         </p:nvSpPr>
         <p:spPr>
           <a:xfrm>
-            <a:off x="406199" y="2281015"/>
-            <a:ext cx="1606378" cy="576650"/>
+            <a:off x="2769827" y="5799916"/>
+            <a:ext cx="3573555" cy="584811"/>
           </a:xfrm>
           <a:prstGeom prst="rect">
             <a:avLst/>
@@ -4520,47 +4413,6 @@
             <a:pPr algn="ctr"/>
             <a:r>
               <a:rPr lang="ko-KR" altLang="en-US" sz="1600" dirty="0"/>
-              <a:t>공정 가동</a:t>
-            </a:r>
-          </a:p>
-        </p:txBody>
-      </p:sp>
-      <p:sp>
-        <p:nvSpPr>
-          <p:cNvPr id="34" name="직사각형 33"/>
-          <p:cNvSpPr/>
-          <p:nvPr/>
-        </p:nvSpPr>
-        <p:spPr>
-          <a:xfrm>
-            <a:off x="2769827" y="5799916"/>
-            <a:ext cx="3573555" cy="584811"/>
-          </a:xfrm>
-          <a:prstGeom prst="rect">
-            <a:avLst/>
-          </a:prstGeom>
-        </p:spPr>
-        <p:style>
-          <a:lnRef idx="2">
-            <a:schemeClr val="dk1"/>
-          </a:lnRef>
-          <a:fillRef idx="1">
-            <a:schemeClr val="lt1"/>
-          </a:fillRef>
-          <a:effectRef idx="0">
-            <a:schemeClr val="dk1"/>
-          </a:effectRef>
-          <a:fontRef idx="minor">
-            <a:schemeClr val="dk1"/>
-          </a:fontRef>
-        </p:style>
-        <p:txBody>
-          <a:bodyPr rtlCol="0" anchor="ctr"/>
-          <a:lstStyle/>
-          <a:p>
-            <a:pPr algn="ctr"/>
-            <a:r>
-              <a:rPr lang="ko-KR" altLang="en-US" sz="1600" dirty="0"/>
               <a:t>공정 별 </a:t>
             </a:r>
             <a:r>
@@ -4570,109 +4422,6 @@
             <a:r>
               <a:rPr lang="ko-KR" altLang="en-US" sz="1600" dirty="0"/>
               <a:t> 기능 제공</a:t>
-            </a:r>
-          </a:p>
-        </p:txBody>
-      </p:sp>
-      <p:sp>
-        <p:nvSpPr>
-          <p:cNvPr id="6" name="직사각형 5">
-            <a:extLst>
-              <a:ext uri="{FF2B5EF4-FFF2-40B4-BE49-F238E27FC236}">
-                <a16:creationId xmlns:a16="http://schemas.microsoft.com/office/drawing/2014/main" xmlns="" id="{E4C09721-605E-2AD0-C5F2-EC833BF5CDBF}"/>
-              </a:ext>
-            </a:extLst>
-          </p:cNvPr>
-          <p:cNvSpPr/>
-          <p:nvPr/>
-        </p:nvSpPr>
-        <p:spPr>
-          <a:xfrm>
-            <a:off x="9961594" y="45450"/>
-            <a:ext cx="2070878" cy="604019"/>
-          </a:xfrm>
-          <a:prstGeom prst="rect">
-            <a:avLst/>
-          </a:prstGeom>
-        </p:spPr>
-        <p:style>
-          <a:lnRef idx="2">
-            <a:schemeClr val="accent1">
-              <a:shade val="50000"/>
-            </a:schemeClr>
-          </a:lnRef>
-          <a:fillRef idx="1">
-            <a:schemeClr val="accent1"/>
-          </a:fillRef>
-          <a:effectRef idx="0">
-            <a:schemeClr val="accent1"/>
-          </a:effectRef>
-          <a:fontRef idx="minor">
-            <a:schemeClr val="lt1"/>
-          </a:fontRef>
-        </p:style>
-        <p:txBody>
-          <a:bodyPr rtlCol="0" anchor="ctr"/>
-          <a:lstStyle/>
-          <a:p>
-            <a:pPr algn="ctr"/>
-            <a:r>
-              <a:rPr lang="en-US" altLang="ko-KR" dirty="0"/>
-              <a:t>USER ID</a:t>
-            </a:r>
-            <a:endParaRPr lang="ko-KR" altLang="en-US" dirty="0"/>
-          </a:p>
-        </p:txBody>
-      </p:sp>
-      <p:sp>
-        <p:nvSpPr>
-          <p:cNvPr id="7" name="직사각형 6">
-            <a:extLst>
-              <a:ext uri="{FF2B5EF4-FFF2-40B4-BE49-F238E27FC236}">
-                <a16:creationId xmlns:a16="http://schemas.microsoft.com/office/drawing/2014/main" xmlns="" id="{BC6463EF-BEB8-D138-8330-ED34F2883941}"/>
-              </a:ext>
-            </a:extLst>
-          </p:cNvPr>
-          <p:cNvSpPr/>
-          <p:nvPr/>
-        </p:nvSpPr>
-        <p:spPr>
-          <a:xfrm>
-            <a:off x="159528" y="84568"/>
-            <a:ext cx="2070878" cy="604019"/>
-          </a:xfrm>
-          <a:prstGeom prst="rect">
-            <a:avLst/>
-          </a:prstGeom>
-        </p:spPr>
-        <p:style>
-          <a:lnRef idx="2">
-            <a:schemeClr val="accent1">
-              <a:shade val="50000"/>
-            </a:schemeClr>
-          </a:lnRef>
-          <a:fillRef idx="1">
-            <a:schemeClr val="accent1"/>
-          </a:fillRef>
-          <a:effectRef idx="0">
-            <a:schemeClr val="accent1"/>
-          </a:effectRef>
-          <a:fontRef idx="minor">
-            <a:schemeClr val="lt1"/>
-          </a:fontRef>
-        </p:style>
-        <p:txBody>
-          <a:bodyPr rtlCol="0" anchor="ctr"/>
-          <a:lstStyle/>
-          <a:p>
-            <a:pPr algn="ctr"/>
-            <a:r>
-              <a:rPr lang="en-US" altLang="ko-KR" dirty="0"/>
-              <a:t>LOGO, </a:t>
-            </a:r>
-            <a:r>
-              <a:rPr lang="ko-KR" altLang="en-US" dirty="0"/>
-              <a:t>회사명</a:t>
             </a:r>
           </a:p>
         </p:txBody>
@@ -4682,7 +4431,7 @@
           <p:cNvPr id="8" name="직사각형 7">
             <a:extLst>
               <a:ext uri="{FF2B5EF4-FFF2-40B4-BE49-F238E27FC236}">
-                <a16:creationId xmlns:a16="http://schemas.microsoft.com/office/drawing/2014/main" xmlns="" id="{1486A08E-84B9-345D-C9A5-2A78547D3EEB}"/>
+                <a16:creationId xmlns="" xmlns:a16="http://schemas.microsoft.com/office/drawing/2014/main" id="{1486A08E-84B9-345D-C9A5-2A78547D3EEB}"/>
               </a:ext>
             </a:extLst>
           </p:cNvPr>
@@ -4764,7 +4513,7 @@
           <p:cNvPr id="9" name="직사각형 8">
             <a:extLst>
               <a:ext uri="{FF2B5EF4-FFF2-40B4-BE49-F238E27FC236}">
-                <a16:creationId xmlns:a16="http://schemas.microsoft.com/office/drawing/2014/main" xmlns="" id="{52E4CD2D-FBCB-0F0A-CA20-482CD5A1161D}"/>
+                <a16:creationId xmlns="" xmlns:a16="http://schemas.microsoft.com/office/drawing/2014/main" id="{52E4CD2D-FBCB-0F0A-CA20-482CD5A1161D}"/>
               </a:ext>
             </a:extLst>
           </p:cNvPr>
@@ -4822,7 +4571,7 @@
           <p:cNvPr id="10" name="직사각형 9">
             <a:extLst>
               <a:ext uri="{FF2B5EF4-FFF2-40B4-BE49-F238E27FC236}">
-                <a16:creationId xmlns:a16="http://schemas.microsoft.com/office/drawing/2014/main" xmlns="" id="{F8BFB1E0-3B5F-F2EF-7A07-7E9FAACA011D}"/>
+                <a16:creationId xmlns="" xmlns:a16="http://schemas.microsoft.com/office/drawing/2014/main" id="{F8BFB1E0-3B5F-F2EF-7A07-7E9FAACA011D}"/>
               </a:ext>
             </a:extLst>
           </p:cNvPr>
@@ -4880,7 +4629,7 @@
           <p:cNvPr id="11" name="화살표: 아래로 구부러짐 10">
             <a:extLst>
               <a:ext uri="{FF2B5EF4-FFF2-40B4-BE49-F238E27FC236}">
-                <a16:creationId xmlns:a16="http://schemas.microsoft.com/office/drawing/2014/main" xmlns="" id="{1D31BB3D-BB0A-D138-28C0-992ACA5EA231}"/>
+                <a16:creationId xmlns="" xmlns:a16="http://schemas.microsoft.com/office/drawing/2014/main" id="{1D31BB3D-BB0A-D138-28C0-992ACA5EA231}"/>
               </a:ext>
             </a:extLst>
           </p:cNvPr>
@@ -4930,7 +4679,7 @@
           <p:cNvPr id="41" name="직사각형 40">
             <a:extLst>
               <a:ext uri="{FF2B5EF4-FFF2-40B4-BE49-F238E27FC236}">
-                <a16:creationId xmlns:a16="http://schemas.microsoft.com/office/drawing/2014/main" xmlns="" id="{1486A08E-84B9-345D-C9A5-2A78547D3EEB}"/>
+                <a16:creationId xmlns="" xmlns:a16="http://schemas.microsoft.com/office/drawing/2014/main" id="{1486A08E-84B9-345D-C9A5-2A78547D3EEB}"/>
               </a:ext>
             </a:extLst>
           </p:cNvPr>
@@ -4996,7 +4745,7 @@
           <p:cNvPr id="42" name="직사각형 41">
             <a:extLst>
               <a:ext uri="{FF2B5EF4-FFF2-40B4-BE49-F238E27FC236}">
-                <a16:creationId xmlns:a16="http://schemas.microsoft.com/office/drawing/2014/main" xmlns="" id="{52E4CD2D-FBCB-0F0A-CA20-482CD5A1161D}"/>
+                <a16:creationId xmlns="" xmlns:a16="http://schemas.microsoft.com/office/drawing/2014/main" id="{52E4CD2D-FBCB-0F0A-CA20-482CD5A1161D}"/>
               </a:ext>
             </a:extLst>
           </p:cNvPr>
@@ -5054,7 +4803,7 @@
           <p:cNvPr id="43" name="직사각형 42">
             <a:extLst>
               <a:ext uri="{FF2B5EF4-FFF2-40B4-BE49-F238E27FC236}">
-                <a16:creationId xmlns:a16="http://schemas.microsoft.com/office/drawing/2014/main" xmlns="" id="{F8BFB1E0-3B5F-F2EF-7A07-7E9FAACA011D}"/>
+                <a16:creationId xmlns="" xmlns:a16="http://schemas.microsoft.com/office/drawing/2014/main" id="{F8BFB1E0-3B5F-F2EF-7A07-7E9FAACA011D}"/>
               </a:ext>
             </a:extLst>
           </p:cNvPr>
@@ -5112,7 +4861,7 @@
           <p:cNvPr id="50" name="화살표: 아래로 구부러짐 10">
             <a:extLst>
               <a:ext uri="{FF2B5EF4-FFF2-40B4-BE49-F238E27FC236}">
-                <a16:creationId xmlns:a16="http://schemas.microsoft.com/office/drawing/2014/main" xmlns="" id="{1D31BB3D-BB0A-D138-28C0-992ACA5EA231}"/>
+                <a16:creationId xmlns="" xmlns:a16="http://schemas.microsoft.com/office/drawing/2014/main" id="{1D31BB3D-BB0A-D138-28C0-992ACA5EA231}"/>
               </a:ext>
             </a:extLst>
           </p:cNvPr>
@@ -5154,6 +4903,285 @@
                 <a:schemeClr val="tx1"/>
               </a:solidFill>
             </a:endParaRPr>
+          </a:p>
+        </p:txBody>
+      </p:sp>
+      <p:sp>
+        <p:nvSpPr>
+          <p:cNvPr id="51" name="직사각형 50"/>
+          <p:cNvSpPr/>
+          <p:nvPr/>
+        </p:nvSpPr>
+        <p:spPr>
+          <a:xfrm>
+            <a:off x="513580" y="1843781"/>
+            <a:ext cx="1606378" cy="576650"/>
+          </a:xfrm>
+          <a:prstGeom prst="rect">
+            <a:avLst/>
+          </a:prstGeom>
+          <a:solidFill>
+            <a:srgbClr val="FFFF00"/>
+          </a:solidFill>
+        </p:spPr>
+        <p:style>
+          <a:lnRef idx="2">
+            <a:schemeClr val="dk1"/>
+          </a:lnRef>
+          <a:fillRef idx="1">
+            <a:schemeClr val="lt1"/>
+          </a:fillRef>
+          <a:effectRef idx="0">
+            <a:schemeClr val="dk1"/>
+          </a:effectRef>
+          <a:fontRef idx="minor">
+            <a:schemeClr val="dk1"/>
+          </a:fontRef>
+        </p:style>
+        <p:txBody>
+          <a:bodyPr rtlCol="0" anchor="ctr"/>
+          <a:lstStyle/>
+          <a:p>
+            <a:pPr algn="ctr"/>
+            <a:r>
+              <a:rPr lang="ko-KR" altLang="en-US" sz="1600" dirty="0"/>
+              <a:t>모니터링</a:t>
+            </a:r>
+          </a:p>
+        </p:txBody>
+      </p:sp>
+      <p:sp>
+        <p:nvSpPr>
+          <p:cNvPr id="52" name="직사각형 51"/>
+          <p:cNvSpPr/>
+          <p:nvPr/>
+        </p:nvSpPr>
+        <p:spPr>
+          <a:xfrm>
+            <a:off x="491614" y="4468774"/>
+            <a:ext cx="1628344" cy="693320"/>
+          </a:xfrm>
+          <a:prstGeom prst="rect">
+            <a:avLst/>
+          </a:prstGeom>
+          <a:noFill/>
+        </p:spPr>
+        <p:style>
+          <a:lnRef idx="2">
+            <a:schemeClr val="dk1"/>
+          </a:lnRef>
+          <a:fillRef idx="1">
+            <a:schemeClr val="lt1"/>
+          </a:fillRef>
+          <a:effectRef idx="0">
+            <a:schemeClr val="dk1"/>
+          </a:effectRef>
+          <a:fontRef idx="minor">
+            <a:schemeClr val="dk1"/>
+          </a:fontRef>
+        </p:style>
+        <p:txBody>
+          <a:bodyPr rtlCol="0" anchor="ctr"/>
+          <a:lstStyle/>
+          <a:p>
+            <a:pPr algn="ctr"/>
+            <a:r>
+              <a:rPr lang="ko-KR" altLang="en-US" sz="1400" smtClean="0"/>
+              <a:t>제품</a:t>
+            </a:r>
+            <a:r>
+              <a:rPr lang="ko-KR" altLang="en-US" sz="1400" smtClean="0"/>
+              <a:t> </a:t>
+            </a:r>
+            <a:r>
+              <a:rPr lang="ko-KR" altLang="en-US" sz="1400" dirty="0"/>
+              <a:t>상세정보</a:t>
+            </a:r>
+          </a:p>
+        </p:txBody>
+      </p:sp>
+      <p:sp>
+        <p:nvSpPr>
+          <p:cNvPr id="53" name="직사각형 52"/>
+          <p:cNvSpPr/>
+          <p:nvPr/>
+        </p:nvSpPr>
+        <p:spPr>
+          <a:xfrm>
+            <a:off x="513580" y="3577146"/>
+            <a:ext cx="1606378" cy="576650"/>
+          </a:xfrm>
+          <a:prstGeom prst="rect">
+            <a:avLst/>
+          </a:prstGeom>
+        </p:spPr>
+        <p:style>
+          <a:lnRef idx="2">
+            <a:schemeClr val="dk1"/>
+          </a:lnRef>
+          <a:fillRef idx="1">
+            <a:schemeClr val="lt1"/>
+          </a:fillRef>
+          <a:effectRef idx="0">
+            <a:schemeClr val="dk1"/>
+          </a:effectRef>
+          <a:fontRef idx="minor">
+            <a:schemeClr val="dk1"/>
+          </a:fontRef>
+        </p:style>
+        <p:txBody>
+          <a:bodyPr rtlCol="0" anchor="ctr"/>
+          <a:lstStyle/>
+          <a:p>
+            <a:pPr algn="ctr"/>
+            <a:r>
+              <a:rPr lang="ko-KR" altLang="en-US" sz="1600" dirty="0"/>
+              <a:t>통계</a:t>
+            </a:r>
+          </a:p>
+        </p:txBody>
+      </p:sp>
+      <p:sp>
+        <p:nvSpPr>
+          <p:cNvPr id="55" name="직사각형 54"/>
+          <p:cNvSpPr/>
+          <p:nvPr/>
+        </p:nvSpPr>
+        <p:spPr>
+          <a:xfrm>
+            <a:off x="517018" y="2697938"/>
+            <a:ext cx="1606378" cy="576650"/>
+          </a:xfrm>
+          <a:prstGeom prst="rect">
+            <a:avLst/>
+          </a:prstGeom>
+        </p:spPr>
+        <p:style>
+          <a:lnRef idx="2">
+            <a:schemeClr val="dk1"/>
+          </a:lnRef>
+          <a:fillRef idx="1">
+            <a:schemeClr val="lt1"/>
+          </a:fillRef>
+          <a:effectRef idx="0">
+            <a:schemeClr val="dk1"/>
+          </a:effectRef>
+          <a:fontRef idx="minor">
+            <a:schemeClr val="dk1"/>
+          </a:fontRef>
+        </p:style>
+        <p:txBody>
+          <a:bodyPr rtlCol="0" anchor="ctr"/>
+          <a:lstStyle/>
+          <a:p>
+            <a:pPr algn="ctr"/>
+            <a:r>
+              <a:rPr lang="ko-KR" altLang="en-US" sz="1600" dirty="0"/>
+              <a:t>공정 가동</a:t>
+            </a:r>
+          </a:p>
+        </p:txBody>
+      </p:sp>
+      <p:sp>
+        <p:nvSpPr>
+          <p:cNvPr id="56" name="직사각형 55">
+            <a:extLst>
+              <a:ext uri="{FF2B5EF4-FFF2-40B4-BE49-F238E27FC236}">
+                <a16:creationId xmlns="" xmlns:a16="http://schemas.microsoft.com/office/drawing/2014/main" id="{FC8841BC-C1C1-DE1B-3938-F590D05496A8}"/>
+              </a:ext>
+            </a:extLst>
+          </p:cNvPr>
+          <p:cNvSpPr/>
+          <p:nvPr/>
+        </p:nvSpPr>
+        <p:spPr>
+          <a:xfrm>
+            <a:off x="281330" y="601780"/>
+            <a:ext cx="2070878" cy="323026"/>
+          </a:xfrm>
+          <a:prstGeom prst="rect">
+            <a:avLst/>
+          </a:prstGeom>
+        </p:spPr>
+        <p:style>
+          <a:lnRef idx="2">
+            <a:schemeClr val="accent1">
+              <a:shade val="50000"/>
+            </a:schemeClr>
+          </a:lnRef>
+          <a:fillRef idx="1">
+            <a:schemeClr val="accent1"/>
+          </a:fillRef>
+          <a:effectRef idx="0">
+            <a:schemeClr val="accent1"/>
+          </a:effectRef>
+          <a:fontRef idx="minor">
+            <a:schemeClr val="lt1"/>
+          </a:fontRef>
+        </p:style>
+        <p:txBody>
+          <a:bodyPr rtlCol="0" anchor="ctr"/>
+          <a:lstStyle/>
+          <a:p>
+            <a:pPr algn="ctr"/>
+            <a:r>
+              <a:rPr lang="en-US" altLang="ko-KR" dirty="0"/>
+              <a:t>USER ID</a:t>
+            </a:r>
+            <a:endParaRPr lang="ko-KR" altLang="en-US" dirty="0"/>
+          </a:p>
+        </p:txBody>
+      </p:sp>
+      <p:sp>
+        <p:nvSpPr>
+          <p:cNvPr id="57" name="직사각형 56">
+            <a:extLst>
+              <a:ext uri="{FF2B5EF4-FFF2-40B4-BE49-F238E27FC236}">
+                <a16:creationId xmlns="" xmlns:a16="http://schemas.microsoft.com/office/drawing/2014/main" id="{1EFE38DE-8C8E-26A9-7D91-99AD6E5175B5}"/>
+              </a:ext>
+            </a:extLst>
+          </p:cNvPr>
+          <p:cNvSpPr/>
+          <p:nvPr/>
+        </p:nvSpPr>
+        <p:spPr>
+          <a:xfrm>
+            <a:off x="281330" y="1082295"/>
+            <a:ext cx="2070878" cy="604019"/>
+          </a:xfrm>
+          <a:prstGeom prst="rect">
+            <a:avLst/>
+          </a:prstGeom>
+        </p:spPr>
+        <p:style>
+          <a:lnRef idx="2">
+            <a:schemeClr val="accent1">
+              <a:shade val="50000"/>
+            </a:schemeClr>
+          </a:lnRef>
+          <a:fillRef idx="1">
+            <a:schemeClr val="accent1"/>
+          </a:fillRef>
+          <a:effectRef idx="0">
+            <a:schemeClr val="accent1"/>
+          </a:effectRef>
+          <a:fontRef idx="minor">
+            <a:schemeClr val="lt1"/>
+          </a:fontRef>
+        </p:style>
+        <p:txBody>
+          <a:bodyPr rtlCol="0" anchor="ctr"/>
+          <a:lstStyle/>
+          <a:p>
+            <a:pPr algn="ctr"/>
+            <a:r>
+              <a:rPr lang="en-US" altLang="ko-KR" dirty="0"/>
+              <a:t>LOGO, </a:t>
+            </a:r>
+            <a:r>
+              <a:rPr lang="ko-KR" altLang="en-US" dirty="0"/>
+              <a:t>회사명</a:t>
+            </a:r>
           </a:p>
         </p:txBody>
       </p:sp>
@@ -5273,285 +5301,12 @@
           </a:p>
         </p:txBody>
       </p:sp>
-      <p:sp>
-        <p:nvSpPr>
-          <p:cNvPr id="14" name="직사각형 13"/>
-          <p:cNvSpPr/>
-          <p:nvPr/>
-        </p:nvSpPr>
-        <p:spPr>
-          <a:xfrm>
-            <a:off x="402761" y="1003521"/>
-            <a:ext cx="1606378" cy="576650"/>
-          </a:xfrm>
-          <a:prstGeom prst="rect">
-            <a:avLst/>
-          </a:prstGeom>
-          <a:solidFill>
-            <a:schemeClr val="bg1"/>
-          </a:solidFill>
-        </p:spPr>
-        <p:style>
-          <a:lnRef idx="2">
-            <a:schemeClr val="dk1"/>
-          </a:lnRef>
-          <a:fillRef idx="1">
-            <a:schemeClr val="lt1"/>
-          </a:fillRef>
-          <a:effectRef idx="0">
-            <a:schemeClr val="dk1"/>
-          </a:effectRef>
-          <a:fontRef idx="minor">
-            <a:schemeClr val="dk1"/>
-          </a:fontRef>
-        </p:style>
-        <p:txBody>
-          <a:bodyPr rtlCol="0" anchor="ctr"/>
-          <a:lstStyle/>
-          <a:p>
-            <a:pPr algn="ctr"/>
-            <a:r>
-              <a:rPr lang="ko-KR" altLang="en-US" sz="1600" dirty="0"/>
-              <a:t>모니터링</a:t>
-            </a:r>
-          </a:p>
-        </p:txBody>
-      </p:sp>
-      <p:sp>
-        <p:nvSpPr>
-          <p:cNvPr id="15" name="직사각형 14"/>
-          <p:cNvSpPr/>
-          <p:nvPr/>
-        </p:nvSpPr>
-        <p:spPr>
-          <a:xfrm>
-            <a:off x="380795" y="3628514"/>
-            <a:ext cx="1628344" cy="693320"/>
-          </a:xfrm>
-          <a:prstGeom prst="rect">
-            <a:avLst/>
-          </a:prstGeom>
-        </p:spPr>
-        <p:style>
-          <a:lnRef idx="2">
-            <a:schemeClr val="dk1"/>
-          </a:lnRef>
-          <a:fillRef idx="1">
-            <a:schemeClr val="lt1"/>
-          </a:fillRef>
-          <a:effectRef idx="0">
-            <a:schemeClr val="dk1"/>
-          </a:effectRef>
-          <a:fontRef idx="minor">
-            <a:schemeClr val="dk1"/>
-          </a:fontRef>
-        </p:style>
-        <p:txBody>
-          <a:bodyPr rtlCol="0" anchor="ctr"/>
-          <a:lstStyle/>
-          <a:p>
-            <a:pPr algn="ctr"/>
-            <a:r>
-              <a:rPr lang="ko-KR" altLang="en-US" sz="1400" dirty="0"/>
-              <a:t>불량품 상세정보</a:t>
-            </a:r>
-          </a:p>
-        </p:txBody>
-      </p:sp>
-      <p:sp>
-        <p:nvSpPr>
-          <p:cNvPr id="16" name="직사각형 15"/>
-          <p:cNvSpPr/>
-          <p:nvPr/>
-        </p:nvSpPr>
-        <p:spPr>
-          <a:xfrm>
-            <a:off x="402761" y="2736886"/>
-            <a:ext cx="1606378" cy="576650"/>
-          </a:xfrm>
-          <a:prstGeom prst="rect">
-            <a:avLst/>
-          </a:prstGeom>
-        </p:spPr>
-        <p:style>
-          <a:lnRef idx="2">
-            <a:schemeClr val="dk1"/>
-          </a:lnRef>
-          <a:fillRef idx="1">
-            <a:schemeClr val="lt1"/>
-          </a:fillRef>
-          <a:effectRef idx="0">
-            <a:schemeClr val="dk1"/>
-          </a:effectRef>
-          <a:fontRef idx="minor">
-            <a:schemeClr val="dk1"/>
-          </a:fontRef>
-        </p:style>
-        <p:txBody>
-          <a:bodyPr rtlCol="0" anchor="ctr"/>
-          <a:lstStyle/>
-          <a:p>
-            <a:pPr algn="ctr"/>
-            <a:r>
-              <a:rPr lang="ko-KR" altLang="en-US" sz="1600" dirty="0"/>
-              <a:t>통계</a:t>
-            </a:r>
-          </a:p>
-        </p:txBody>
-      </p:sp>
-      <p:sp>
-        <p:nvSpPr>
-          <p:cNvPr id="17" name="직사각형 16"/>
-          <p:cNvSpPr/>
-          <p:nvPr/>
-        </p:nvSpPr>
-        <p:spPr>
-          <a:xfrm>
-            <a:off x="406199" y="1857678"/>
-            <a:ext cx="1606378" cy="576650"/>
-          </a:xfrm>
-          <a:prstGeom prst="rect">
-            <a:avLst/>
-          </a:prstGeom>
-          <a:solidFill>
-            <a:schemeClr val="accent4"/>
-          </a:solidFill>
-        </p:spPr>
-        <p:style>
-          <a:lnRef idx="2">
-            <a:schemeClr val="dk1"/>
-          </a:lnRef>
-          <a:fillRef idx="1">
-            <a:schemeClr val="lt1"/>
-          </a:fillRef>
-          <a:effectRef idx="0">
-            <a:schemeClr val="dk1"/>
-          </a:effectRef>
-          <a:fontRef idx="minor">
-            <a:schemeClr val="dk1"/>
-          </a:fontRef>
-        </p:style>
-        <p:txBody>
-          <a:bodyPr rtlCol="0" anchor="ctr"/>
-          <a:lstStyle/>
-          <a:p>
-            <a:pPr algn="ctr"/>
-            <a:r>
-              <a:rPr lang="ko-KR" altLang="en-US" sz="1600" dirty="0"/>
-              <a:t>공정 가동</a:t>
-            </a:r>
-          </a:p>
-        </p:txBody>
-      </p:sp>
-      <p:sp>
-        <p:nvSpPr>
-          <p:cNvPr id="2" name="직사각형 1">
-            <a:extLst>
-              <a:ext uri="{FF2B5EF4-FFF2-40B4-BE49-F238E27FC236}">
-                <a16:creationId xmlns:a16="http://schemas.microsoft.com/office/drawing/2014/main" xmlns="" id="{5C8D4D09-5433-3A54-3D99-5B8C0D9866C0}"/>
-              </a:ext>
-            </a:extLst>
-          </p:cNvPr>
-          <p:cNvSpPr/>
-          <p:nvPr/>
-        </p:nvSpPr>
-        <p:spPr>
-          <a:xfrm>
-            <a:off x="9961594" y="45450"/>
-            <a:ext cx="2070878" cy="604019"/>
-          </a:xfrm>
-          <a:prstGeom prst="rect">
-            <a:avLst/>
-          </a:prstGeom>
-        </p:spPr>
-        <p:style>
-          <a:lnRef idx="2">
-            <a:schemeClr val="accent1">
-              <a:shade val="50000"/>
-            </a:schemeClr>
-          </a:lnRef>
-          <a:fillRef idx="1">
-            <a:schemeClr val="accent1"/>
-          </a:fillRef>
-          <a:effectRef idx="0">
-            <a:schemeClr val="accent1"/>
-          </a:effectRef>
-          <a:fontRef idx="minor">
-            <a:schemeClr val="lt1"/>
-          </a:fontRef>
-        </p:style>
-        <p:txBody>
-          <a:bodyPr rtlCol="0" anchor="ctr"/>
-          <a:lstStyle/>
-          <a:p>
-            <a:pPr algn="ctr"/>
-            <a:r>
-              <a:rPr lang="en-US" altLang="ko-KR" dirty="0"/>
-              <a:t>USER ID</a:t>
-            </a:r>
-            <a:endParaRPr lang="ko-KR" altLang="en-US" dirty="0"/>
-          </a:p>
-        </p:txBody>
-      </p:sp>
-      <p:sp>
-        <p:nvSpPr>
-          <p:cNvPr id="3" name="직사각형 2">
-            <a:extLst>
-              <a:ext uri="{FF2B5EF4-FFF2-40B4-BE49-F238E27FC236}">
-                <a16:creationId xmlns:a16="http://schemas.microsoft.com/office/drawing/2014/main" xmlns="" id="{A404E3D5-5E31-1DC2-CC37-C43DBBF84CB4}"/>
-              </a:ext>
-            </a:extLst>
-          </p:cNvPr>
-          <p:cNvSpPr/>
-          <p:nvPr/>
-        </p:nvSpPr>
-        <p:spPr>
-          <a:xfrm>
-            <a:off x="159528" y="84568"/>
-            <a:ext cx="2070878" cy="604019"/>
-          </a:xfrm>
-          <a:prstGeom prst="rect">
-            <a:avLst/>
-          </a:prstGeom>
-        </p:spPr>
-        <p:style>
-          <a:lnRef idx="2">
-            <a:schemeClr val="accent1">
-              <a:shade val="50000"/>
-            </a:schemeClr>
-          </a:lnRef>
-          <a:fillRef idx="1">
-            <a:schemeClr val="accent1"/>
-          </a:fillRef>
-          <a:effectRef idx="0">
-            <a:schemeClr val="accent1"/>
-          </a:effectRef>
-          <a:fontRef idx="minor">
-            <a:schemeClr val="lt1"/>
-          </a:fontRef>
-        </p:style>
-        <p:txBody>
-          <a:bodyPr rtlCol="0" anchor="ctr"/>
-          <a:lstStyle/>
-          <a:p>
-            <a:pPr algn="ctr"/>
-            <a:r>
-              <a:rPr lang="en-US" altLang="ko-KR" dirty="0"/>
-              <a:t>LOGO, </a:t>
-            </a:r>
-            <a:r>
-              <a:rPr lang="ko-KR" altLang="en-US" dirty="0"/>
-              <a:t>회사명</a:t>
-            </a:r>
-          </a:p>
-        </p:txBody>
-      </p:sp>
       <p:graphicFrame>
         <p:nvGraphicFramePr>
           <p:cNvPr id="19" name="표 19">
             <a:extLst>
               <a:ext uri="{FF2B5EF4-FFF2-40B4-BE49-F238E27FC236}">
-                <a16:creationId xmlns:a16="http://schemas.microsoft.com/office/drawing/2014/main" xmlns="" id="{A9437FBF-E67C-E684-DA3F-1A9F54C0916E}"/>
+                <a16:creationId xmlns="" xmlns:a16="http://schemas.microsoft.com/office/drawing/2014/main" id="{A9437FBF-E67C-E684-DA3F-1A9F54C0916E}"/>
               </a:ext>
             </a:extLst>
           </p:cNvPr>
@@ -5580,7 +5335,7 @@
                 <a:gridCol w="1432736">
                   <a:extLst>
                     <a:ext uri="{9D8B030D-6E8A-4147-A177-3AD203B41FA5}">
-                      <a16:colId xmlns:a16="http://schemas.microsoft.com/office/drawing/2014/main" xmlns="" val="1618415641"/>
+                      <a16:colId xmlns="" xmlns:a16="http://schemas.microsoft.com/office/drawing/2014/main" val="1618415641"/>
                     </a:ext>
                   </a:extLst>
                 </a:gridCol>
@@ -5588,21 +5343,21 @@
                 <a:gridCol w="1387791">
                   <a:extLst>
                     <a:ext uri="{9D8B030D-6E8A-4147-A177-3AD203B41FA5}">
-                      <a16:colId xmlns:a16="http://schemas.microsoft.com/office/drawing/2014/main" xmlns="" val="4073962845"/>
+                      <a16:colId xmlns="" xmlns:a16="http://schemas.microsoft.com/office/drawing/2014/main" val="4073962845"/>
                     </a:ext>
                   </a:extLst>
                 </a:gridCol>
                 <a:gridCol w="1461031">
                   <a:extLst>
                     <a:ext uri="{9D8B030D-6E8A-4147-A177-3AD203B41FA5}">
-                      <a16:colId xmlns:a16="http://schemas.microsoft.com/office/drawing/2014/main" xmlns="" val="361970199"/>
+                      <a16:colId xmlns="" xmlns:a16="http://schemas.microsoft.com/office/drawing/2014/main" val="361970199"/>
                     </a:ext>
                   </a:extLst>
                 </a:gridCol>
                 <a:gridCol w="1235613">
                   <a:extLst>
                     <a:ext uri="{9D8B030D-6E8A-4147-A177-3AD203B41FA5}">
-                      <a16:colId xmlns:a16="http://schemas.microsoft.com/office/drawing/2014/main" xmlns="" val="759743309"/>
+                      <a16:colId xmlns="" xmlns:a16="http://schemas.microsoft.com/office/drawing/2014/main" val="759743309"/>
                     </a:ext>
                   </a:extLst>
                 </a:gridCol>
@@ -5699,7 +5454,7 @@
                 </a:tc>
                 <a:extLst>
                   <a:ext uri="{0D108BD9-81ED-4DB2-BD59-A6C34878D82A}">
-                    <a16:rowId xmlns:a16="http://schemas.microsoft.com/office/drawing/2014/main" xmlns="" val="3632594873"/>
+                    <a16:rowId xmlns="" xmlns:a16="http://schemas.microsoft.com/office/drawing/2014/main" val="3632594873"/>
                   </a:ext>
                 </a:extLst>
               </a:tr>
@@ -5802,7 +5557,7 @@
                 </a:tc>
                 <a:extLst>
                   <a:ext uri="{0D108BD9-81ED-4DB2-BD59-A6C34878D82A}">
-                    <a16:rowId xmlns:a16="http://schemas.microsoft.com/office/drawing/2014/main" xmlns="" val="1698924023"/>
+                    <a16:rowId xmlns="" xmlns:a16="http://schemas.microsoft.com/office/drawing/2014/main" val="1698924023"/>
                   </a:ext>
                 </a:extLst>
               </a:tr>
@@ -5901,7 +5656,7 @@
                 </a:tc>
                 <a:extLst>
                   <a:ext uri="{0D108BD9-81ED-4DB2-BD59-A6C34878D82A}">
-                    <a16:rowId xmlns:a16="http://schemas.microsoft.com/office/drawing/2014/main" xmlns="" val="4130420725"/>
+                    <a16:rowId xmlns="" xmlns:a16="http://schemas.microsoft.com/office/drawing/2014/main" val="4130420725"/>
                   </a:ext>
                 </a:extLst>
               </a:tr>
@@ -6000,7 +5755,7 @@
                 </a:tc>
                 <a:extLst>
                   <a:ext uri="{0D108BD9-81ED-4DB2-BD59-A6C34878D82A}">
-                    <a16:rowId xmlns:a16="http://schemas.microsoft.com/office/drawing/2014/main" xmlns="" val="2624797284"/>
+                    <a16:rowId xmlns="" xmlns:a16="http://schemas.microsoft.com/office/drawing/2014/main" val="2624797284"/>
                   </a:ext>
                 </a:extLst>
               </a:tr>
@@ -6073,7 +5828,7 @@
                 </a:tc>
                 <a:extLst>
                   <a:ext uri="{0D108BD9-81ED-4DB2-BD59-A6C34878D82A}">
-                    <a16:rowId xmlns:a16="http://schemas.microsoft.com/office/drawing/2014/main" xmlns="" val="2273159815"/>
+                    <a16:rowId xmlns="" xmlns:a16="http://schemas.microsoft.com/office/drawing/2014/main" val="2273159815"/>
                   </a:ext>
                 </a:extLst>
               </a:tr>
@@ -6168,6 +5923,290 @@
               <a:t>번</a:t>
             </a:r>
             <a:endParaRPr lang="ko-KR" altLang="en-US" sz="1600" dirty="0"/>
+          </a:p>
+        </p:txBody>
+      </p:sp>
+      <p:sp>
+        <p:nvSpPr>
+          <p:cNvPr id="13" name="직사각형 12"/>
+          <p:cNvSpPr/>
+          <p:nvPr/>
+        </p:nvSpPr>
+        <p:spPr>
+          <a:xfrm>
+            <a:off x="403838" y="1423651"/>
+            <a:ext cx="1606378" cy="576650"/>
+          </a:xfrm>
+          <a:prstGeom prst="rect">
+            <a:avLst/>
+          </a:prstGeom>
+          <a:solidFill>
+            <a:schemeClr val="bg1"/>
+          </a:solidFill>
+        </p:spPr>
+        <p:style>
+          <a:lnRef idx="2">
+            <a:schemeClr val="dk1"/>
+          </a:lnRef>
+          <a:fillRef idx="1">
+            <a:schemeClr val="lt1"/>
+          </a:fillRef>
+          <a:effectRef idx="0">
+            <a:schemeClr val="dk1"/>
+          </a:effectRef>
+          <a:fontRef idx="minor">
+            <a:schemeClr val="dk1"/>
+          </a:fontRef>
+        </p:style>
+        <p:txBody>
+          <a:bodyPr rtlCol="0" anchor="ctr"/>
+          <a:lstStyle/>
+          <a:p>
+            <a:pPr algn="ctr"/>
+            <a:r>
+              <a:rPr lang="ko-KR" altLang="en-US" sz="1600" dirty="0"/>
+              <a:t>모니터링</a:t>
+            </a:r>
+          </a:p>
+        </p:txBody>
+      </p:sp>
+      <p:sp>
+        <p:nvSpPr>
+          <p:cNvPr id="18" name="직사각형 17"/>
+          <p:cNvSpPr/>
+          <p:nvPr/>
+        </p:nvSpPr>
+        <p:spPr>
+          <a:xfrm>
+            <a:off x="381872" y="4048644"/>
+            <a:ext cx="1628344" cy="693320"/>
+          </a:xfrm>
+          <a:prstGeom prst="rect">
+            <a:avLst/>
+          </a:prstGeom>
+          <a:solidFill>
+            <a:schemeClr val="bg1"/>
+          </a:solidFill>
+        </p:spPr>
+        <p:style>
+          <a:lnRef idx="2">
+            <a:schemeClr val="dk1"/>
+          </a:lnRef>
+          <a:fillRef idx="1">
+            <a:schemeClr val="lt1"/>
+          </a:fillRef>
+          <a:effectRef idx="0">
+            <a:schemeClr val="dk1"/>
+          </a:effectRef>
+          <a:fontRef idx="minor">
+            <a:schemeClr val="dk1"/>
+          </a:fontRef>
+        </p:style>
+        <p:txBody>
+          <a:bodyPr rtlCol="0" anchor="ctr"/>
+          <a:lstStyle/>
+          <a:p>
+            <a:pPr algn="ctr"/>
+            <a:r>
+              <a:rPr lang="ko-KR" altLang="en-US" sz="1400" smtClean="0"/>
+              <a:t>제품</a:t>
+            </a:r>
+            <a:r>
+              <a:rPr lang="ko-KR" altLang="en-US" sz="1400" smtClean="0"/>
+              <a:t> </a:t>
+            </a:r>
+            <a:r>
+              <a:rPr lang="ko-KR" altLang="en-US" sz="1400" dirty="0"/>
+              <a:t>상세정보</a:t>
+            </a:r>
+          </a:p>
+        </p:txBody>
+      </p:sp>
+      <p:sp>
+        <p:nvSpPr>
+          <p:cNvPr id="20" name="직사각형 19"/>
+          <p:cNvSpPr/>
+          <p:nvPr/>
+        </p:nvSpPr>
+        <p:spPr>
+          <a:xfrm>
+            <a:off x="403838" y="3157016"/>
+            <a:ext cx="1606378" cy="576650"/>
+          </a:xfrm>
+          <a:prstGeom prst="rect">
+            <a:avLst/>
+          </a:prstGeom>
+        </p:spPr>
+        <p:style>
+          <a:lnRef idx="2">
+            <a:schemeClr val="dk1"/>
+          </a:lnRef>
+          <a:fillRef idx="1">
+            <a:schemeClr val="lt1"/>
+          </a:fillRef>
+          <a:effectRef idx="0">
+            <a:schemeClr val="dk1"/>
+          </a:effectRef>
+          <a:fontRef idx="minor">
+            <a:schemeClr val="dk1"/>
+          </a:fontRef>
+        </p:style>
+        <p:txBody>
+          <a:bodyPr rtlCol="0" anchor="ctr"/>
+          <a:lstStyle/>
+          <a:p>
+            <a:pPr algn="ctr"/>
+            <a:r>
+              <a:rPr lang="ko-KR" altLang="en-US" sz="1600" dirty="0"/>
+              <a:t>통계</a:t>
+            </a:r>
+          </a:p>
+        </p:txBody>
+      </p:sp>
+      <p:sp>
+        <p:nvSpPr>
+          <p:cNvPr id="21" name="직사각형 20"/>
+          <p:cNvSpPr/>
+          <p:nvPr/>
+        </p:nvSpPr>
+        <p:spPr>
+          <a:xfrm>
+            <a:off x="407276" y="2277808"/>
+            <a:ext cx="1606378" cy="576650"/>
+          </a:xfrm>
+          <a:prstGeom prst="rect">
+            <a:avLst/>
+          </a:prstGeom>
+          <a:solidFill>
+            <a:srgbClr val="FFFF00"/>
+          </a:solidFill>
+        </p:spPr>
+        <p:style>
+          <a:lnRef idx="2">
+            <a:schemeClr val="dk1"/>
+          </a:lnRef>
+          <a:fillRef idx="1">
+            <a:schemeClr val="lt1"/>
+          </a:fillRef>
+          <a:effectRef idx="0">
+            <a:schemeClr val="dk1"/>
+          </a:effectRef>
+          <a:fontRef idx="minor">
+            <a:schemeClr val="dk1"/>
+          </a:fontRef>
+        </p:style>
+        <p:txBody>
+          <a:bodyPr rtlCol="0" anchor="ctr"/>
+          <a:lstStyle/>
+          <a:p>
+            <a:pPr algn="ctr"/>
+            <a:r>
+              <a:rPr lang="ko-KR" altLang="en-US" sz="1600" dirty="0"/>
+              <a:t>공정 가동</a:t>
+            </a:r>
+          </a:p>
+        </p:txBody>
+      </p:sp>
+      <p:sp>
+        <p:nvSpPr>
+          <p:cNvPr id="22" name="직사각형 21">
+            <a:extLst>
+              <a:ext uri="{FF2B5EF4-FFF2-40B4-BE49-F238E27FC236}">
+                <a16:creationId xmlns="" xmlns:a16="http://schemas.microsoft.com/office/drawing/2014/main" id="{FC8841BC-C1C1-DE1B-3938-F590D05496A8}"/>
+              </a:ext>
+            </a:extLst>
+          </p:cNvPr>
+          <p:cNvSpPr/>
+          <p:nvPr/>
+        </p:nvSpPr>
+        <p:spPr>
+          <a:xfrm>
+            <a:off x="171588" y="181650"/>
+            <a:ext cx="2070878" cy="323026"/>
+          </a:xfrm>
+          <a:prstGeom prst="rect">
+            <a:avLst/>
+          </a:prstGeom>
+        </p:spPr>
+        <p:style>
+          <a:lnRef idx="2">
+            <a:schemeClr val="accent1">
+              <a:shade val="50000"/>
+            </a:schemeClr>
+          </a:lnRef>
+          <a:fillRef idx="1">
+            <a:schemeClr val="accent1"/>
+          </a:fillRef>
+          <a:effectRef idx="0">
+            <a:schemeClr val="accent1"/>
+          </a:effectRef>
+          <a:fontRef idx="minor">
+            <a:schemeClr val="lt1"/>
+          </a:fontRef>
+        </p:style>
+        <p:txBody>
+          <a:bodyPr rtlCol="0" anchor="ctr"/>
+          <a:lstStyle/>
+          <a:p>
+            <a:pPr algn="ctr"/>
+            <a:r>
+              <a:rPr lang="en-US" altLang="ko-KR" dirty="0"/>
+              <a:t>USER ID</a:t>
+            </a:r>
+            <a:endParaRPr lang="ko-KR" altLang="en-US" dirty="0"/>
+          </a:p>
+        </p:txBody>
+      </p:sp>
+      <p:sp>
+        <p:nvSpPr>
+          <p:cNvPr id="23" name="직사각형 22">
+            <a:extLst>
+              <a:ext uri="{FF2B5EF4-FFF2-40B4-BE49-F238E27FC236}">
+                <a16:creationId xmlns="" xmlns:a16="http://schemas.microsoft.com/office/drawing/2014/main" id="{1EFE38DE-8C8E-26A9-7D91-99AD6E5175B5}"/>
+              </a:ext>
+            </a:extLst>
+          </p:cNvPr>
+          <p:cNvSpPr/>
+          <p:nvPr/>
+        </p:nvSpPr>
+        <p:spPr>
+          <a:xfrm>
+            <a:off x="171588" y="662165"/>
+            <a:ext cx="2070878" cy="604019"/>
+          </a:xfrm>
+          <a:prstGeom prst="rect">
+            <a:avLst/>
+          </a:prstGeom>
+        </p:spPr>
+        <p:style>
+          <a:lnRef idx="2">
+            <a:schemeClr val="accent1">
+              <a:shade val="50000"/>
+            </a:schemeClr>
+          </a:lnRef>
+          <a:fillRef idx="1">
+            <a:schemeClr val="accent1"/>
+          </a:fillRef>
+          <a:effectRef idx="0">
+            <a:schemeClr val="accent1"/>
+          </a:effectRef>
+          <a:fontRef idx="minor">
+            <a:schemeClr val="lt1"/>
+          </a:fontRef>
+        </p:style>
+        <p:txBody>
+          <a:bodyPr rtlCol="0" anchor="ctr"/>
+          <a:lstStyle/>
+          <a:p>
+            <a:pPr algn="ctr"/>
+            <a:r>
+              <a:rPr lang="en-US" altLang="ko-KR" dirty="0"/>
+              <a:t>LOGO, </a:t>
+            </a:r>
+            <a:r>
+              <a:rPr lang="ko-KR" altLang="en-US" dirty="0"/>
+              <a:t>회사명</a:t>
+            </a:r>
           </a:p>
         </p:txBody>
       </p:sp>
@@ -6289,21 +6328,18 @@
       </p:sp>
       <p:sp>
         <p:nvSpPr>
-          <p:cNvPr id="14" name="직사각형 13"/>
+          <p:cNvPr id="20" name="직사각형 19"/>
           <p:cNvSpPr/>
           <p:nvPr/>
         </p:nvSpPr>
         <p:spPr>
           <a:xfrm>
-            <a:off x="402761" y="1003521"/>
-            <a:ext cx="1606378" cy="576650"/>
+            <a:off x="2664598" y="1286950"/>
+            <a:ext cx="8332916" cy="3778025"/>
           </a:xfrm>
           <a:prstGeom prst="rect">
             <a:avLst/>
           </a:prstGeom>
-          <a:solidFill>
-            <a:schemeClr val="bg1"/>
-          </a:solidFill>
         </p:spPr>
         <p:style>
           <a:lnRef idx="2">
@@ -6326,227 +6362,54 @@
             <a:pPr algn="ctr"/>
             <a:r>
               <a:rPr lang="ko-KR" altLang="en-US" sz="1600" dirty="0"/>
-              <a:t>모니터링</a:t>
-            </a:r>
-          </a:p>
-        </p:txBody>
-      </p:sp>
-      <p:sp>
-        <p:nvSpPr>
-          <p:cNvPr id="15" name="직사각형 14"/>
+              <a:t>통계 시각화로 표현</a:t>
+            </a:r>
+            <a:endParaRPr lang="en-US" altLang="ko-KR" sz="1600" dirty="0"/>
+          </a:p>
+          <a:p>
+            <a:pPr algn="ctr"/>
+            <a:endParaRPr lang="en-US" altLang="ko-KR" sz="1600" dirty="0"/>
+          </a:p>
+          <a:p>
+            <a:pPr algn="ctr"/>
+            <a:endParaRPr lang="en-US" altLang="ko-KR" sz="1600" dirty="0"/>
+          </a:p>
+          <a:p>
+            <a:pPr algn="ctr"/>
+            <a:r>
+              <a:rPr lang="ko-KR" altLang="en-US" sz="1600" dirty="0"/>
+              <a:t>정상제품과 불량품</a:t>
+            </a:r>
+            <a:endParaRPr lang="en-US" altLang="ko-KR" sz="1600" dirty="0"/>
+          </a:p>
+          <a:p>
+            <a:pPr algn="ctr"/>
+            <a:endParaRPr lang="en-US" altLang="ko-KR" sz="1600" dirty="0"/>
+          </a:p>
+          <a:p>
+            <a:pPr algn="ctr"/>
+            <a:r>
+              <a:rPr lang="ko-KR" altLang="en-US" sz="1600" dirty="0"/>
+              <a:t>불량품 </a:t>
+            </a:r>
+            <a:r>
+              <a:rPr lang="ko-KR" altLang="en-US" sz="1600" dirty="0" err="1"/>
+              <a:t>인치별로</a:t>
+            </a:r>
+            <a:endParaRPr lang="ko-KR" altLang="en-US" sz="1600" dirty="0"/>
+          </a:p>
+        </p:txBody>
+      </p:sp>
+      <p:sp>
+        <p:nvSpPr>
+          <p:cNvPr id="22" name="직사각형 21"/>
           <p:cNvSpPr/>
           <p:nvPr/>
         </p:nvSpPr>
         <p:spPr>
           <a:xfrm>
-            <a:off x="380795" y="3628514"/>
-            <a:ext cx="1628344" cy="693320"/>
-          </a:xfrm>
-          <a:prstGeom prst="rect">
-            <a:avLst/>
-          </a:prstGeom>
-        </p:spPr>
-        <p:style>
-          <a:lnRef idx="2">
-            <a:schemeClr val="dk1"/>
-          </a:lnRef>
-          <a:fillRef idx="1">
-            <a:schemeClr val="lt1"/>
-          </a:fillRef>
-          <a:effectRef idx="0">
-            <a:schemeClr val="dk1"/>
-          </a:effectRef>
-          <a:fontRef idx="minor">
-            <a:schemeClr val="dk1"/>
-          </a:fontRef>
-        </p:style>
-        <p:txBody>
-          <a:bodyPr rtlCol="0" anchor="ctr"/>
-          <a:lstStyle/>
-          <a:p>
-            <a:pPr algn="ctr"/>
-            <a:r>
-              <a:rPr lang="ko-KR" altLang="en-US" sz="1400" dirty="0"/>
-              <a:t>불량품 상세정보</a:t>
-            </a:r>
-          </a:p>
-        </p:txBody>
-      </p:sp>
-      <p:sp>
-        <p:nvSpPr>
-          <p:cNvPr id="16" name="직사각형 15"/>
-          <p:cNvSpPr/>
-          <p:nvPr/>
-        </p:nvSpPr>
-        <p:spPr>
-          <a:xfrm>
-            <a:off x="402761" y="2736886"/>
-            <a:ext cx="1606378" cy="576650"/>
-          </a:xfrm>
-          <a:prstGeom prst="rect">
-            <a:avLst/>
-          </a:prstGeom>
-          <a:solidFill>
-            <a:schemeClr val="accent4"/>
-          </a:solidFill>
-        </p:spPr>
-        <p:style>
-          <a:lnRef idx="2">
-            <a:schemeClr val="dk1"/>
-          </a:lnRef>
-          <a:fillRef idx="1">
-            <a:schemeClr val="lt1"/>
-          </a:fillRef>
-          <a:effectRef idx="0">
-            <a:schemeClr val="dk1"/>
-          </a:effectRef>
-          <a:fontRef idx="minor">
-            <a:schemeClr val="dk1"/>
-          </a:fontRef>
-        </p:style>
-        <p:txBody>
-          <a:bodyPr rtlCol="0" anchor="ctr"/>
-          <a:lstStyle/>
-          <a:p>
-            <a:pPr algn="ctr"/>
-            <a:r>
-              <a:rPr lang="ko-KR" altLang="en-US" sz="1600" dirty="0"/>
-              <a:t>통계</a:t>
-            </a:r>
-          </a:p>
-        </p:txBody>
-      </p:sp>
-      <p:sp>
-        <p:nvSpPr>
-          <p:cNvPr id="17" name="직사각형 16"/>
-          <p:cNvSpPr/>
-          <p:nvPr/>
-        </p:nvSpPr>
-        <p:spPr>
-          <a:xfrm>
-            <a:off x="406199" y="1857678"/>
-            <a:ext cx="1606378" cy="576650"/>
-          </a:xfrm>
-          <a:prstGeom prst="rect">
-            <a:avLst/>
-          </a:prstGeom>
-        </p:spPr>
-        <p:style>
-          <a:lnRef idx="2">
-            <a:schemeClr val="dk1"/>
-          </a:lnRef>
-          <a:fillRef idx="1">
-            <a:schemeClr val="lt1"/>
-          </a:fillRef>
-          <a:effectRef idx="0">
-            <a:schemeClr val="dk1"/>
-          </a:effectRef>
-          <a:fontRef idx="minor">
-            <a:schemeClr val="dk1"/>
-          </a:fontRef>
-        </p:style>
-        <p:txBody>
-          <a:bodyPr rtlCol="0" anchor="ctr"/>
-          <a:lstStyle/>
-          <a:p>
-            <a:pPr algn="ctr"/>
-            <a:r>
-              <a:rPr lang="ko-KR" altLang="en-US" sz="1600" dirty="0"/>
-              <a:t>공정 가동</a:t>
-            </a:r>
-          </a:p>
-        </p:txBody>
-      </p:sp>
-      <p:sp>
-        <p:nvSpPr>
-          <p:cNvPr id="20" name="직사각형 19"/>
-          <p:cNvSpPr/>
-          <p:nvPr/>
-        </p:nvSpPr>
-        <p:spPr>
-          <a:xfrm>
-            <a:off x="2664598" y="1286950"/>
-            <a:ext cx="8332916" cy="3778025"/>
-          </a:xfrm>
-          <a:prstGeom prst="rect">
-            <a:avLst/>
-          </a:prstGeom>
-        </p:spPr>
-        <p:style>
-          <a:lnRef idx="2">
-            <a:schemeClr val="dk1"/>
-          </a:lnRef>
-          <a:fillRef idx="1">
-            <a:schemeClr val="lt1"/>
-          </a:fillRef>
-          <a:effectRef idx="0">
-            <a:schemeClr val="dk1"/>
-          </a:effectRef>
-          <a:fontRef idx="minor">
-            <a:schemeClr val="dk1"/>
-          </a:fontRef>
-        </p:style>
-        <p:txBody>
-          <a:bodyPr rtlCol="0" anchor="ctr"/>
-          <a:lstStyle/>
-          <a:p>
-            <a:pPr algn="ctr"/>
-            <a:r>
-              <a:rPr lang="ko-KR" altLang="en-US" sz="1600" dirty="0"/>
-              <a:t>통계 시각화로 표현</a:t>
-            </a:r>
-            <a:endParaRPr lang="en-US" altLang="ko-KR" sz="1600" dirty="0"/>
-          </a:p>
-          <a:p>
-            <a:pPr algn="ctr"/>
-            <a:endParaRPr lang="en-US" altLang="ko-KR" sz="1600" dirty="0"/>
-          </a:p>
-          <a:p>
-            <a:pPr algn="ctr"/>
-            <a:endParaRPr lang="en-US" altLang="ko-KR" sz="1600" dirty="0"/>
-          </a:p>
-          <a:p>
-            <a:pPr algn="ctr"/>
-            <a:r>
-              <a:rPr lang="ko-KR" altLang="en-US" sz="1600" dirty="0"/>
-              <a:t>정상제품과 불량품</a:t>
-            </a:r>
-            <a:endParaRPr lang="en-US" altLang="ko-KR" sz="1600" dirty="0"/>
-          </a:p>
-          <a:p>
-            <a:pPr algn="ctr"/>
-            <a:endParaRPr lang="en-US" altLang="ko-KR" sz="1600" dirty="0"/>
-          </a:p>
-          <a:p>
-            <a:pPr algn="ctr"/>
-            <a:r>
-              <a:rPr lang="ko-KR" altLang="en-US" sz="1600" dirty="0"/>
-              <a:t>불량품 </a:t>
-            </a:r>
-            <a:r>
-              <a:rPr lang="ko-KR" altLang="en-US" sz="1600" dirty="0" err="1"/>
-              <a:t>인치별로</a:t>
-            </a:r>
-            <a:endParaRPr lang="ko-KR" altLang="en-US" sz="1600" dirty="0"/>
-          </a:p>
-        </p:txBody>
-      </p:sp>
-      <p:sp>
-        <p:nvSpPr>
-          <p:cNvPr id="2" name="직사각형 1">
-            <a:extLst>
-              <a:ext uri="{FF2B5EF4-FFF2-40B4-BE49-F238E27FC236}">
-                <a16:creationId xmlns:a16="http://schemas.microsoft.com/office/drawing/2014/main" xmlns="" id="{631107C3-3147-B44F-62F8-DB5AF909181B}"/>
-              </a:ext>
-            </a:extLst>
-          </p:cNvPr>
-          <p:cNvSpPr/>
-          <p:nvPr/>
-        </p:nvSpPr>
-        <p:spPr>
-          <a:xfrm>
-            <a:off x="9961594" y="45450"/>
-            <a:ext cx="2070878" cy="604019"/>
+            <a:off x="2759675" y="2189943"/>
+            <a:ext cx="5090984" cy="2785113"/>
           </a:xfrm>
           <a:prstGeom prst="rect">
             <a:avLst/>
@@ -6573,30 +6436,20 @@
           <a:lstStyle/>
           <a:p>
             <a:pPr algn="ctr"/>
-            <a:r>
-              <a:rPr lang="en-US" altLang="ko-KR" dirty="0"/>
-              <a:t>USER ID</a:t>
-            </a:r>
-            <a:endParaRPr lang="ko-KR" altLang="en-US" dirty="0"/>
-          </a:p>
-        </p:txBody>
-      </p:sp>
-      <p:sp>
-        <p:nvSpPr>
-          <p:cNvPr id="3" name="직사각형 2">
-            <a:extLst>
-              <a:ext uri="{FF2B5EF4-FFF2-40B4-BE49-F238E27FC236}">
-                <a16:creationId xmlns:a16="http://schemas.microsoft.com/office/drawing/2014/main" xmlns="" id="{6096EE31-70C6-52E6-C4A6-4BE38DEFC3FA}"/>
-              </a:ext>
-            </a:extLst>
-          </p:cNvPr>
+            <a:endParaRPr lang="ko-KR" altLang="en-US"/>
+          </a:p>
+        </p:txBody>
+      </p:sp>
+      <p:sp>
+        <p:nvSpPr>
+          <p:cNvPr id="24" name="직사각형 23"/>
           <p:cNvSpPr/>
           <p:nvPr/>
         </p:nvSpPr>
         <p:spPr>
           <a:xfrm>
-            <a:off x="159528" y="84568"/>
-            <a:ext cx="2070878" cy="604019"/>
+            <a:off x="8471405" y="1494778"/>
+            <a:ext cx="1260389" cy="471097"/>
           </a:xfrm>
           <a:prstGeom prst="rect">
             <a:avLst/>
@@ -6624,28 +6477,25 @@
           <a:p>
             <a:pPr algn="ctr"/>
             <a:r>
-              <a:rPr lang="en-US" altLang="ko-KR" dirty="0"/>
-              <a:t>LOGO, </a:t>
-            </a:r>
-            <a:r>
-              <a:rPr lang="ko-KR" altLang="en-US" dirty="0"/>
-              <a:t>회사명</a:t>
-            </a:r>
-          </a:p>
-        </p:txBody>
-      </p:sp>
-      <p:sp>
-        <p:nvSpPr>
-          <p:cNvPr id="22" name="직사각형 21"/>
+              <a:rPr lang="ko-KR" altLang="en-US" smtClean="0"/>
+              <a:t>조회</a:t>
+            </a:r>
+            <a:endParaRPr lang="ko-KR" altLang="en-US"/>
+          </a:p>
+        </p:txBody>
+      </p:sp>
+      <p:sp>
+        <p:nvSpPr>
+          <p:cNvPr id="26" name="모서리가 둥근 직사각형 25"/>
           <p:cNvSpPr/>
           <p:nvPr/>
         </p:nvSpPr>
         <p:spPr>
           <a:xfrm>
-            <a:off x="2759675" y="2189943"/>
-            <a:ext cx="5090984" cy="2785113"/>
-          </a:xfrm>
-          <a:prstGeom prst="rect">
+            <a:off x="2759675" y="1455011"/>
+            <a:ext cx="1639330" cy="518984"/>
+          </a:xfrm>
+          <a:prstGeom prst="roundRect">
             <a:avLst/>
           </a:prstGeom>
         </p:spPr>
@@ -6670,22 +6520,38 @@
           <a:lstStyle/>
           <a:p>
             <a:pPr algn="ctr"/>
-            <a:endParaRPr lang="ko-KR" altLang="en-US"/>
-          </a:p>
-        </p:txBody>
-      </p:sp>
-      <p:sp>
-        <p:nvSpPr>
-          <p:cNvPr id="24" name="직사각형 23"/>
+            <a:r>
+              <a:rPr lang="ko-KR" altLang="en-US" dirty="0" smtClean="0"/>
+              <a:t>규격</a:t>
+            </a:r>
+            <a:r>
+              <a:rPr lang="en-US" altLang="ko-KR" dirty="0" smtClean="0"/>
+              <a:t>(</a:t>
+            </a:r>
+            <a:r>
+              <a:rPr lang="ko-KR" altLang="en-US" dirty="0" smtClean="0"/>
+              <a:t>인치</a:t>
+            </a:r>
+            <a:r>
+              <a:rPr lang="en-US" altLang="ko-KR" dirty="0" smtClean="0"/>
+              <a:t>)</a:t>
+            </a:r>
+            <a:endParaRPr lang="ko-KR" altLang="en-US" dirty="0"/>
+          </a:p>
+        </p:txBody>
+      </p:sp>
+      <p:sp>
+        <p:nvSpPr>
+          <p:cNvPr id="27" name="모서리가 둥근 직사각형 26"/>
           <p:cNvSpPr/>
           <p:nvPr/>
         </p:nvSpPr>
         <p:spPr>
           <a:xfrm>
-            <a:off x="8471405" y="1478954"/>
-            <a:ext cx="1260389" cy="471097"/>
-          </a:xfrm>
-          <a:prstGeom prst="rect">
+            <a:off x="4543971" y="1455011"/>
+            <a:ext cx="1650884" cy="518984"/>
+          </a:xfrm>
+          <a:prstGeom prst="roundRect">
             <a:avLst/>
           </a:prstGeom>
         </p:spPr>
@@ -6710,20 +6576,28 @@
           <a:lstStyle/>
           <a:p>
             <a:pPr algn="ctr"/>
-            <a:endParaRPr lang="ko-KR" altLang="en-US"/>
-          </a:p>
-        </p:txBody>
-      </p:sp>
-      <p:sp>
-        <p:nvSpPr>
-          <p:cNvPr id="26" name="모서리가 둥근 직사각형 25"/>
+            <a:r>
+              <a:rPr lang="ko-KR" altLang="en-US" dirty="0" smtClean="0"/>
+              <a:t>패널</a:t>
+            </a:r>
+            <a:r>
+              <a:rPr lang="en-US" altLang="ko-KR" dirty="0" smtClean="0"/>
+              <a:t>(IPS)</a:t>
+            </a:r>
+            <a:endParaRPr lang="ko-KR" altLang="en-US" dirty="0"/>
+          </a:p>
+        </p:txBody>
+      </p:sp>
+      <p:sp>
+        <p:nvSpPr>
+          <p:cNvPr id="28" name="모서리가 둥근 직사각형 27"/>
           <p:cNvSpPr/>
           <p:nvPr/>
         </p:nvSpPr>
         <p:spPr>
           <a:xfrm>
-            <a:off x="2759675" y="1455011"/>
-            <a:ext cx="1639330" cy="518984"/>
+            <a:off x="6359050" y="1455011"/>
+            <a:ext cx="1650884" cy="518984"/>
           </a:xfrm>
           <a:prstGeom prst="roundRect">
             <a:avLst/>
@@ -6751,20 +6625,12 @@
           <a:p>
             <a:pPr algn="ctr"/>
             <a:r>
-              <a:rPr lang="ko-KR" altLang="en-US" dirty="0" smtClean="0"/>
-              <a:t>규격</a:t>
-            </a:r>
-            <a:r>
-              <a:rPr lang="en-US" altLang="ko-KR" dirty="0" smtClean="0"/>
-              <a:t>(</a:t>
-            </a:r>
-            <a:r>
-              <a:rPr lang="ko-KR" altLang="en-US" dirty="0" smtClean="0"/>
-              <a:t>인치</a:t>
-            </a:r>
-            <a:r>
-              <a:rPr lang="en-US" altLang="ko-KR" dirty="0" smtClean="0"/>
-              <a:t>)</a:t>
+              <a:rPr lang="ko-KR" altLang="en-US" err="1" smtClean="0"/>
+              <a:t>주사율</a:t>
+            </a:r>
+            <a:r>
+              <a:rPr lang="en-US" altLang="ko-KR" smtClean="0"/>
+              <a:t>(HZ)</a:t>
             </a:r>
             <a:endParaRPr lang="ko-KR" altLang="en-US" dirty="0"/>
           </a:p>
@@ -6772,16 +6638,16 @@
       </p:sp>
       <p:sp>
         <p:nvSpPr>
-          <p:cNvPr id="27" name="모서리가 둥근 직사각형 26"/>
+          <p:cNvPr id="7" name="타원 6"/>
           <p:cNvSpPr/>
           <p:nvPr/>
         </p:nvSpPr>
         <p:spPr>
           <a:xfrm>
-            <a:off x="4543971" y="1455011"/>
-            <a:ext cx="1650884" cy="518984"/>
-          </a:xfrm>
-          <a:prstGeom prst="roundRect">
+            <a:off x="8238707" y="2103192"/>
+            <a:ext cx="2238876" cy="1945452"/>
+          </a:xfrm>
+          <a:prstGeom prst="ellipse">
             <a:avLst/>
           </a:prstGeom>
         </p:spPr>
@@ -6807,29 +6673,212 @@
           <a:p>
             <a:pPr algn="ctr"/>
             <a:r>
-              <a:rPr lang="ko-KR" altLang="en-US" dirty="0" smtClean="0"/>
-              <a:t>패널</a:t>
-            </a:r>
-            <a:r>
-              <a:rPr lang="en-US" altLang="ko-KR" dirty="0" smtClean="0"/>
-              <a:t>(IPS)</a:t>
-            </a:r>
-            <a:endParaRPr lang="ko-KR" altLang="en-US" dirty="0"/>
-          </a:p>
-        </p:txBody>
-      </p:sp>
-      <p:sp>
-        <p:nvSpPr>
-          <p:cNvPr id="28" name="모서리가 둥근 직사각형 27"/>
+              <a:rPr lang="ko-KR" altLang="en-US" smtClean="0"/>
+              <a:t>원형 비율 표</a:t>
+            </a:r>
+            <a:endParaRPr lang="en-US" altLang="ko-KR" smtClean="0"/>
+          </a:p>
+        </p:txBody>
+      </p:sp>
+      <p:sp>
+        <p:nvSpPr>
+          <p:cNvPr id="18" name="직사각형 17"/>
           <p:cNvSpPr/>
           <p:nvPr/>
         </p:nvSpPr>
         <p:spPr>
           <a:xfrm>
-            <a:off x="6359050" y="1455011"/>
-            <a:ext cx="1650884" cy="518984"/>
-          </a:xfrm>
-          <a:prstGeom prst="roundRect">
+            <a:off x="403838" y="1423651"/>
+            <a:ext cx="1606378" cy="576650"/>
+          </a:xfrm>
+          <a:prstGeom prst="rect">
+            <a:avLst/>
+          </a:prstGeom>
+          <a:solidFill>
+            <a:schemeClr val="bg1"/>
+          </a:solidFill>
+        </p:spPr>
+        <p:style>
+          <a:lnRef idx="2">
+            <a:schemeClr val="dk1"/>
+          </a:lnRef>
+          <a:fillRef idx="1">
+            <a:schemeClr val="lt1"/>
+          </a:fillRef>
+          <a:effectRef idx="0">
+            <a:schemeClr val="dk1"/>
+          </a:effectRef>
+          <a:fontRef idx="minor">
+            <a:schemeClr val="dk1"/>
+          </a:fontRef>
+        </p:style>
+        <p:txBody>
+          <a:bodyPr rtlCol="0" anchor="ctr"/>
+          <a:lstStyle/>
+          <a:p>
+            <a:pPr algn="ctr"/>
+            <a:r>
+              <a:rPr lang="ko-KR" altLang="en-US" sz="1600" dirty="0"/>
+              <a:t>모니터링</a:t>
+            </a:r>
+          </a:p>
+        </p:txBody>
+      </p:sp>
+      <p:sp>
+        <p:nvSpPr>
+          <p:cNvPr id="19" name="직사각형 18"/>
+          <p:cNvSpPr/>
+          <p:nvPr/>
+        </p:nvSpPr>
+        <p:spPr>
+          <a:xfrm>
+            <a:off x="381872" y="4048644"/>
+            <a:ext cx="1628344" cy="693320"/>
+          </a:xfrm>
+          <a:prstGeom prst="rect">
+            <a:avLst/>
+          </a:prstGeom>
+          <a:solidFill>
+            <a:schemeClr val="bg1"/>
+          </a:solidFill>
+        </p:spPr>
+        <p:style>
+          <a:lnRef idx="2">
+            <a:schemeClr val="dk1"/>
+          </a:lnRef>
+          <a:fillRef idx="1">
+            <a:schemeClr val="lt1"/>
+          </a:fillRef>
+          <a:effectRef idx="0">
+            <a:schemeClr val="dk1"/>
+          </a:effectRef>
+          <a:fontRef idx="minor">
+            <a:schemeClr val="dk1"/>
+          </a:fontRef>
+        </p:style>
+        <p:txBody>
+          <a:bodyPr rtlCol="0" anchor="ctr"/>
+          <a:lstStyle/>
+          <a:p>
+            <a:pPr algn="ctr"/>
+            <a:r>
+              <a:rPr lang="ko-KR" altLang="en-US" sz="1400" smtClean="0"/>
+              <a:t>제품</a:t>
+            </a:r>
+            <a:r>
+              <a:rPr lang="ko-KR" altLang="en-US" sz="1400" smtClean="0"/>
+              <a:t> </a:t>
+            </a:r>
+            <a:r>
+              <a:rPr lang="ko-KR" altLang="en-US" sz="1400" dirty="0"/>
+              <a:t>상세정보</a:t>
+            </a:r>
+          </a:p>
+        </p:txBody>
+      </p:sp>
+      <p:sp>
+        <p:nvSpPr>
+          <p:cNvPr id="21" name="직사각형 20"/>
+          <p:cNvSpPr/>
+          <p:nvPr/>
+        </p:nvSpPr>
+        <p:spPr>
+          <a:xfrm>
+            <a:off x="403838" y="3157016"/>
+            <a:ext cx="1606378" cy="576650"/>
+          </a:xfrm>
+          <a:prstGeom prst="rect">
+            <a:avLst/>
+          </a:prstGeom>
+          <a:solidFill>
+            <a:srgbClr val="FFFF00"/>
+          </a:solidFill>
+        </p:spPr>
+        <p:style>
+          <a:lnRef idx="2">
+            <a:schemeClr val="dk1"/>
+          </a:lnRef>
+          <a:fillRef idx="1">
+            <a:schemeClr val="lt1"/>
+          </a:fillRef>
+          <a:effectRef idx="0">
+            <a:schemeClr val="dk1"/>
+          </a:effectRef>
+          <a:fontRef idx="minor">
+            <a:schemeClr val="dk1"/>
+          </a:fontRef>
+        </p:style>
+        <p:txBody>
+          <a:bodyPr rtlCol="0" anchor="ctr"/>
+          <a:lstStyle/>
+          <a:p>
+            <a:pPr algn="ctr"/>
+            <a:r>
+              <a:rPr lang="ko-KR" altLang="en-US" sz="1600" dirty="0"/>
+              <a:t>통계</a:t>
+            </a:r>
+          </a:p>
+        </p:txBody>
+      </p:sp>
+      <p:sp>
+        <p:nvSpPr>
+          <p:cNvPr id="23" name="직사각형 22"/>
+          <p:cNvSpPr/>
+          <p:nvPr/>
+        </p:nvSpPr>
+        <p:spPr>
+          <a:xfrm>
+            <a:off x="407276" y="2277808"/>
+            <a:ext cx="1606378" cy="576650"/>
+          </a:xfrm>
+          <a:prstGeom prst="rect">
+            <a:avLst/>
+          </a:prstGeom>
+        </p:spPr>
+        <p:style>
+          <a:lnRef idx="2">
+            <a:schemeClr val="dk1"/>
+          </a:lnRef>
+          <a:fillRef idx="1">
+            <a:schemeClr val="lt1"/>
+          </a:fillRef>
+          <a:effectRef idx="0">
+            <a:schemeClr val="dk1"/>
+          </a:effectRef>
+          <a:fontRef idx="minor">
+            <a:schemeClr val="dk1"/>
+          </a:fontRef>
+        </p:style>
+        <p:txBody>
+          <a:bodyPr rtlCol="0" anchor="ctr"/>
+          <a:lstStyle/>
+          <a:p>
+            <a:pPr algn="ctr"/>
+            <a:r>
+              <a:rPr lang="ko-KR" altLang="en-US" sz="1600" dirty="0"/>
+              <a:t>공정 가동</a:t>
+            </a:r>
+          </a:p>
+        </p:txBody>
+      </p:sp>
+      <p:sp>
+        <p:nvSpPr>
+          <p:cNvPr id="25" name="직사각형 24">
+            <a:extLst>
+              <a:ext uri="{FF2B5EF4-FFF2-40B4-BE49-F238E27FC236}">
+                <a16:creationId xmlns="" xmlns:a16="http://schemas.microsoft.com/office/drawing/2014/main" id="{FC8841BC-C1C1-DE1B-3938-F590D05496A8}"/>
+              </a:ext>
+            </a:extLst>
+          </p:cNvPr>
+          <p:cNvSpPr/>
+          <p:nvPr/>
+        </p:nvSpPr>
+        <p:spPr>
+          <a:xfrm>
+            <a:off x="171588" y="181650"/>
+            <a:ext cx="2070878" cy="323026"/>
+          </a:xfrm>
+          <a:prstGeom prst="rect">
             <a:avLst/>
           </a:prstGeom>
         </p:spPr>
@@ -6855,12 +6904,8 @@
           <a:p>
             <a:pPr algn="ctr"/>
             <a:r>
-              <a:rPr lang="ko-KR" altLang="en-US" dirty="0" err="1" smtClean="0"/>
-              <a:t>주사율</a:t>
-            </a:r>
-            <a:r>
-              <a:rPr lang="en-US" altLang="ko-KR" dirty="0" smtClean="0"/>
-              <a:t>(IPS)</a:t>
+              <a:rPr lang="en-US" altLang="ko-KR" dirty="0"/>
+              <a:t>USER ID</a:t>
             </a:r>
             <a:endParaRPr lang="ko-KR" altLang="en-US" dirty="0"/>
           </a:p>
@@ -6868,16 +6913,22 @@
       </p:sp>
       <p:sp>
         <p:nvSpPr>
-          <p:cNvPr id="7" name="타원 6"/>
+          <p:cNvPr id="29" name="직사각형 28">
+            <a:extLst>
+              <a:ext uri="{FF2B5EF4-FFF2-40B4-BE49-F238E27FC236}">
+                <a16:creationId xmlns="" xmlns:a16="http://schemas.microsoft.com/office/drawing/2014/main" id="{1EFE38DE-8C8E-26A9-7D91-99AD6E5175B5}"/>
+              </a:ext>
+            </a:extLst>
+          </p:cNvPr>
           <p:cNvSpPr/>
           <p:nvPr/>
         </p:nvSpPr>
         <p:spPr>
           <a:xfrm>
-            <a:off x="8132562" y="2189943"/>
-            <a:ext cx="2446637" cy="1965812"/>
-          </a:xfrm>
-          <a:prstGeom prst="ellipse">
+            <a:off x="171588" y="662165"/>
+            <a:ext cx="2070878" cy="604019"/>
+          </a:xfrm>
+          <a:prstGeom prst="rect">
             <a:avLst/>
           </a:prstGeom>
         </p:spPr>
@@ -6902,7 +6953,14 @@
           <a:lstStyle/>
           <a:p>
             <a:pPr algn="ctr"/>
-            <a:endParaRPr lang="ko-KR" altLang="en-US"/>
+            <a:r>
+              <a:rPr lang="en-US" altLang="ko-KR" dirty="0"/>
+              <a:t>LOGO, </a:t>
+            </a:r>
+            <a:r>
+              <a:rPr lang="ko-KR" altLang="en-US" dirty="0"/>
+              <a:t>회사명</a:t>
+            </a:r>
           </a:p>
         </p:txBody>
       </p:sp>
@@ -7057,73 +7115,34 @@
           <a:p>
             <a:pPr algn="ctr"/>
             <a:r>
-              <a:rPr lang="ko-KR" altLang="en-US" sz="1600" dirty="0"/>
-              <a:t>번호</a:t>
-            </a:r>
-            <a:r>
-              <a:rPr lang="en-US" altLang="ko-KR" sz="1600" dirty="0"/>
+              <a:rPr lang="ko-KR" altLang="en-US" sz="1600" smtClean="0"/>
+              <a:t>제품 번호나</a:t>
+            </a:r>
+            <a:endParaRPr lang="en-US" altLang="ko-KR" sz="1600" smtClean="0"/>
+          </a:p>
+          <a:p>
+            <a:pPr algn="ctr"/>
+            <a:r>
+              <a:rPr lang="ko-KR" altLang="en-US" sz="1600" smtClean="0"/>
+              <a:t>제조 날짜 </a:t>
+            </a:r>
+            <a:r>
+              <a:rPr lang="en-US" altLang="ko-KR" sz="1600" smtClean="0"/>
               <a:t>, </a:t>
             </a:r>
             <a:r>
-              <a:rPr lang="ko-KR" altLang="en-US" sz="1600" dirty="0"/>
-              <a:t>제조시간</a:t>
-            </a:r>
-            <a:r>
-              <a:rPr lang="en-US" altLang="ko-KR" sz="1600" dirty="0"/>
+              <a:rPr lang="ko-KR" altLang="en-US" sz="1600" smtClean="0"/>
+              <a:t>담장자 </a:t>
+            </a:r>
+            <a:r>
+              <a:rPr lang="en-US" altLang="ko-KR" sz="1600" smtClean="0"/>
               <a:t>, </a:t>
             </a:r>
             <a:r>
-              <a:rPr lang="ko-KR" altLang="en-US" sz="1600" dirty="0" err="1"/>
-              <a:t>몇인치인지</a:t>
-            </a:r>
-            <a:r>
-              <a:rPr lang="ko-KR" altLang="en-US" sz="1600" dirty="0"/>
-              <a:t> 등등</a:t>
-            </a:r>
-            <a:endParaRPr lang="en-US" altLang="ko-KR" sz="1600" dirty="0"/>
-          </a:p>
-          <a:p>
-            <a:pPr algn="ctr"/>
-            <a:endParaRPr lang="en-US" altLang="ko-KR" sz="1600" dirty="0"/>
-          </a:p>
-          <a:p>
-            <a:pPr algn="ctr"/>
-            <a:r>
-              <a:rPr lang="ko-KR" altLang="en-US" sz="1600" dirty="0"/>
-              <a:t>제조시간 번호 </a:t>
-            </a:r>
-            <a:r>
-              <a:rPr lang="ko-KR" altLang="en-US" sz="1600" dirty="0" err="1"/>
-              <a:t>같은거</a:t>
-            </a:r>
-            <a:r>
-              <a:rPr lang="ko-KR" altLang="en-US" sz="1600" dirty="0"/>
-              <a:t> </a:t>
-            </a:r>
-            <a:r>
-              <a:rPr lang="ko-KR" altLang="en-US" sz="1600" dirty="0" err="1"/>
-              <a:t>낮은순</a:t>
-            </a:r>
-            <a:r>
-              <a:rPr lang="ko-KR" altLang="en-US" sz="1600" dirty="0"/>
-              <a:t> </a:t>
-            </a:r>
-            <a:r>
-              <a:rPr lang="ko-KR" altLang="en-US" sz="1600" dirty="0" err="1"/>
-              <a:t>높은순으로</a:t>
-            </a:r>
-            <a:r>
-              <a:rPr lang="ko-KR" altLang="en-US" sz="1600" dirty="0"/>
-              <a:t> </a:t>
-            </a:r>
-            <a:r>
-              <a:rPr lang="ko-KR" altLang="en-US" sz="1600" dirty="0" err="1"/>
-              <a:t>볼수있게</a:t>
-            </a:r>
-            <a:r>
-              <a:rPr lang="ko-KR" altLang="en-US" sz="1600" dirty="0"/>
-              <a:t> </a:t>
-            </a:r>
+              <a:rPr lang="ko-KR" altLang="en-US" sz="1600" smtClean="0"/>
+              <a:t>분류 결과에 다른 제품 검색 기능 제공</a:t>
+            </a:r>
+            <a:endParaRPr lang="ko-KR" altLang="en-US" sz="1600" dirty="0"/>
           </a:p>
         </p:txBody>
       </p:sp>
@@ -7135,7 +7154,7 @@
         </p:nvSpPr>
         <p:spPr>
           <a:xfrm>
-            <a:off x="402761" y="1003521"/>
+            <a:off x="403838" y="1423651"/>
             <a:ext cx="1606378" cy="576650"/>
           </a:xfrm>
           <a:prstGeom prst="rect">
@@ -7179,14 +7198,14 @@
         </p:nvSpPr>
         <p:spPr>
           <a:xfrm>
-            <a:off x="380795" y="3628514"/>
+            <a:off x="381872" y="4048644"/>
             <a:ext cx="1628344" cy="693320"/>
           </a:xfrm>
           <a:prstGeom prst="rect">
             <a:avLst/>
           </a:prstGeom>
           <a:solidFill>
-            <a:schemeClr val="accent4"/>
+            <a:srgbClr val="FFFF00"/>
           </a:solidFill>
         </p:spPr>
         <p:style>
@@ -7209,8 +7228,16 @@
           <a:p>
             <a:pPr algn="ctr"/>
             <a:r>
+              <a:rPr lang="ko-KR" altLang="en-US" sz="1400" smtClean="0"/>
+              <a:t>제품</a:t>
+            </a:r>
+            <a:r>
+              <a:rPr lang="ko-KR" altLang="en-US" sz="1400" smtClean="0"/>
+              <a:t> </a:t>
+            </a:r>
+            <a:r>
               <a:rPr lang="ko-KR" altLang="en-US" sz="1400" dirty="0"/>
-              <a:t>불량품 상세정보</a:t>
+              <a:t>상세정보</a:t>
             </a:r>
           </a:p>
         </p:txBody>
@@ -7223,7 +7250,7 @@
         </p:nvSpPr>
         <p:spPr>
           <a:xfrm>
-            <a:off x="402761" y="2736886"/>
+            <a:off x="403838" y="3157016"/>
             <a:ext cx="1606378" cy="576650"/>
           </a:xfrm>
           <a:prstGeom prst="rect">
@@ -7264,7 +7291,7 @@
         </p:nvSpPr>
         <p:spPr>
           <a:xfrm>
-            <a:off x="406199" y="1857678"/>
+            <a:off x="407276" y="2277808"/>
             <a:ext cx="1606378" cy="576650"/>
           </a:xfrm>
           <a:prstGeom prst="rect">
@@ -7302,7 +7329,7 @@
           <p:cNvPr id="2" name="직사각형 1">
             <a:extLst>
               <a:ext uri="{FF2B5EF4-FFF2-40B4-BE49-F238E27FC236}">
-                <a16:creationId xmlns:a16="http://schemas.microsoft.com/office/drawing/2014/main" xmlns="" id="{FC8841BC-C1C1-DE1B-3938-F590D05496A8}"/>
+                <a16:creationId xmlns="" xmlns:a16="http://schemas.microsoft.com/office/drawing/2014/main" id="{FC8841BC-C1C1-DE1B-3938-F590D05496A8}"/>
               </a:ext>
             </a:extLst>
           </p:cNvPr>
@@ -7311,8 +7338,8 @@
         </p:nvSpPr>
         <p:spPr>
           <a:xfrm>
-            <a:off x="9961594" y="45450"/>
-            <a:ext cx="2070878" cy="604019"/>
+            <a:off x="171588" y="181650"/>
+            <a:ext cx="2070878" cy="323026"/>
           </a:xfrm>
           <a:prstGeom prst="rect">
             <a:avLst/>
@@ -7352,7 +7379,7 @@
           <p:cNvPr id="3" name="직사각형 2">
             <a:extLst>
               <a:ext uri="{FF2B5EF4-FFF2-40B4-BE49-F238E27FC236}">
-                <a16:creationId xmlns:a16="http://schemas.microsoft.com/office/drawing/2014/main" xmlns="" id="{1EFE38DE-8C8E-26A9-7D91-99AD6E5175B5}"/>
+                <a16:creationId xmlns="" xmlns:a16="http://schemas.microsoft.com/office/drawing/2014/main" id="{1EFE38DE-8C8E-26A9-7D91-99AD6E5175B5}"/>
               </a:ext>
             </a:extLst>
           </p:cNvPr>
@@ -7361,7 +7388,7 @@
         </p:nvSpPr>
         <p:spPr>
           <a:xfrm>
-            <a:off x="159528" y="84568"/>
+            <a:off x="171588" y="662165"/>
             <a:ext cx="2070878" cy="604019"/>
           </a:xfrm>
           <a:prstGeom prst="rect">
@@ -7397,474 +7424,6 @@
               <a:rPr lang="ko-KR" altLang="en-US" dirty="0"/>
               <a:t>회사명</a:t>
             </a:r>
-          </a:p>
-        </p:txBody>
-      </p:sp>
-      <p:pic>
-        <p:nvPicPr>
-          <p:cNvPr id="5" name="그림 4"/>
-          <p:cNvPicPr>
-            <a:picLocks noChangeAspect="1"/>
-          </p:cNvPicPr>
-          <p:nvPr/>
-        </p:nvPicPr>
-        <p:blipFill>
-          <a:blip r:embed="rId2"/>
-          <a:stretch>
-            <a:fillRect/>
-          </a:stretch>
-        </p:blipFill>
-        <p:spPr>
-          <a:xfrm>
-            <a:off x="5455988" y="2146003"/>
-            <a:ext cx="4900540" cy="2529667"/>
-          </a:xfrm>
-          <a:prstGeom prst="rect">
-            <a:avLst/>
-          </a:prstGeom>
-        </p:spPr>
-      </p:pic>
-      <p:sp>
-        <p:nvSpPr>
-          <p:cNvPr id="6" name="모서리가 둥근 직사각형 5"/>
-          <p:cNvSpPr/>
-          <p:nvPr/>
-        </p:nvSpPr>
-        <p:spPr>
-          <a:xfrm>
-            <a:off x="2885425" y="2146003"/>
-            <a:ext cx="2306590" cy="2529667"/>
-          </a:xfrm>
-          <a:prstGeom prst="roundRect">
-            <a:avLst/>
-          </a:prstGeom>
-        </p:spPr>
-        <p:style>
-          <a:lnRef idx="2">
-            <a:schemeClr val="accent1">
-              <a:shade val="50000"/>
-            </a:schemeClr>
-          </a:lnRef>
-          <a:fillRef idx="1">
-            <a:schemeClr val="accent1"/>
-          </a:fillRef>
-          <a:effectRef idx="0">
-            <a:schemeClr val="accent1"/>
-          </a:effectRef>
-          <a:fontRef idx="minor">
-            <a:schemeClr val="lt1"/>
-          </a:fontRef>
-        </p:style>
-        <p:txBody>
-          <a:bodyPr rtlCol="0" anchor="ctr"/>
-          <a:lstStyle/>
-          <a:p>
-            <a:pPr algn="ctr"/>
-            <a:endParaRPr lang="ko-KR" altLang="en-US"/>
-          </a:p>
-        </p:txBody>
-      </p:sp>
-      <p:sp>
-        <p:nvSpPr>
-          <p:cNvPr id="7" name="모서리가 둥근 직사각형 6"/>
-          <p:cNvSpPr/>
-          <p:nvPr/>
-        </p:nvSpPr>
-        <p:spPr>
-          <a:xfrm>
-            <a:off x="2973859" y="1400432"/>
-            <a:ext cx="1639330" cy="518984"/>
-          </a:xfrm>
-          <a:prstGeom prst="roundRect">
-            <a:avLst/>
-          </a:prstGeom>
-        </p:spPr>
-        <p:style>
-          <a:lnRef idx="2">
-            <a:schemeClr val="accent1">
-              <a:shade val="50000"/>
-            </a:schemeClr>
-          </a:lnRef>
-          <a:fillRef idx="1">
-            <a:schemeClr val="accent1"/>
-          </a:fillRef>
-          <a:effectRef idx="0">
-            <a:schemeClr val="accent1"/>
-          </a:effectRef>
-          <a:fontRef idx="minor">
-            <a:schemeClr val="lt1"/>
-          </a:fontRef>
-        </p:style>
-        <p:txBody>
-          <a:bodyPr rtlCol="0" anchor="ctr"/>
-          <a:lstStyle/>
-          <a:p>
-            <a:pPr algn="ctr"/>
-            <a:r>
-              <a:rPr lang="ko-KR" altLang="en-US" dirty="0" smtClean="0"/>
-              <a:t>규격</a:t>
-            </a:r>
-            <a:r>
-              <a:rPr lang="en-US" altLang="ko-KR" dirty="0" smtClean="0"/>
-              <a:t>(</a:t>
-            </a:r>
-            <a:r>
-              <a:rPr lang="ko-KR" altLang="en-US" dirty="0" smtClean="0"/>
-              <a:t>인치</a:t>
-            </a:r>
-            <a:r>
-              <a:rPr lang="en-US" altLang="ko-KR" dirty="0" smtClean="0"/>
-              <a:t>)</a:t>
-            </a:r>
-            <a:endParaRPr lang="ko-KR" altLang="en-US" dirty="0"/>
-          </a:p>
-        </p:txBody>
-      </p:sp>
-      <p:sp>
-        <p:nvSpPr>
-          <p:cNvPr id="8" name="모서리가 둥근 직사각형 7"/>
-          <p:cNvSpPr/>
-          <p:nvPr/>
-        </p:nvSpPr>
-        <p:spPr>
-          <a:xfrm>
-            <a:off x="4758155" y="1400432"/>
-            <a:ext cx="1650884" cy="518984"/>
-          </a:xfrm>
-          <a:prstGeom prst="roundRect">
-            <a:avLst/>
-          </a:prstGeom>
-        </p:spPr>
-        <p:style>
-          <a:lnRef idx="2">
-            <a:schemeClr val="accent1">
-              <a:shade val="50000"/>
-            </a:schemeClr>
-          </a:lnRef>
-          <a:fillRef idx="1">
-            <a:schemeClr val="accent1"/>
-          </a:fillRef>
-          <a:effectRef idx="0">
-            <a:schemeClr val="accent1"/>
-          </a:effectRef>
-          <a:fontRef idx="minor">
-            <a:schemeClr val="lt1"/>
-          </a:fontRef>
-        </p:style>
-        <p:txBody>
-          <a:bodyPr rtlCol="0" anchor="ctr"/>
-          <a:lstStyle/>
-          <a:p>
-            <a:pPr algn="ctr"/>
-            <a:r>
-              <a:rPr lang="ko-KR" altLang="en-US" dirty="0" smtClean="0"/>
-              <a:t>패널</a:t>
-            </a:r>
-            <a:r>
-              <a:rPr lang="en-US" altLang="ko-KR" dirty="0" smtClean="0"/>
-              <a:t>(IPS)</a:t>
-            </a:r>
-            <a:endParaRPr lang="ko-KR" altLang="en-US" dirty="0"/>
-          </a:p>
-        </p:txBody>
-      </p:sp>
-      <p:sp>
-        <p:nvSpPr>
-          <p:cNvPr id="18" name="모서리가 둥근 직사각형 17"/>
-          <p:cNvSpPr/>
-          <p:nvPr/>
-        </p:nvSpPr>
-        <p:spPr>
-          <a:xfrm>
-            <a:off x="8685589" y="1400432"/>
-            <a:ext cx="1325319" cy="518984"/>
-          </a:xfrm>
-          <a:prstGeom prst="roundRect">
-            <a:avLst/>
-          </a:prstGeom>
-        </p:spPr>
-        <p:style>
-          <a:lnRef idx="2">
-            <a:schemeClr val="accent1">
-              <a:shade val="50000"/>
-            </a:schemeClr>
-          </a:lnRef>
-          <a:fillRef idx="1">
-            <a:schemeClr val="accent1"/>
-          </a:fillRef>
-          <a:effectRef idx="0">
-            <a:schemeClr val="accent1"/>
-          </a:effectRef>
-          <a:fontRef idx="minor">
-            <a:schemeClr val="lt1"/>
-          </a:fontRef>
-        </p:style>
-        <p:txBody>
-          <a:bodyPr rtlCol="0" anchor="ctr"/>
-          <a:lstStyle/>
-          <a:p>
-            <a:pPr algn="ctr"/>
-            <a:r>
-              <a:rPr lang="ko-KR" altLang="en-US" dirty="0" smtClean="0"/>
-              <a:t>검색 </a:t>
-            </a:r>
-            <a:endParaRPr lang="ko-KR" altLang="en-US" dirty="0"/>
-          </a:p>
-        </p:txBody>
-      </p:sp>
-      <p:sp>
-        <p:nvSpPr>
-          <p:cNvPr id="19" name="모서리가 둥근 직사각형 18"/>
-          <p:cNvSpPr/>
-          <p:nvPr/>
-        </p:nvSpPr>
-        <p:spPr>
-          <a:xfrm>
-            <a:off x="6573234" y="1400432"/>
-            <a:ext cx="1650884" cy="518984"/>
-          </a:xfrm>
-          <a:prstGeom prst="roundRect">
-            <a:avLst/>
-          </a:prstGeom>
-        </p:spPr>
-        <p:style>
-          <a:lnRef idx="2">
-            <a:schemeClr val="accent1">
-              <a:shade val="50000"/>
-            </a:schemeClr>
-          </a:lnRef>
-          <a:fillRef idx="1">
-            <a:schemeClr val="accent1"/>
-          </a:fillRef>
-          <a:effectRef idx="0">
-            <a:schemeClr val="accent1"/>
-          </a:effectRef>
-          <a:fontRef idx="minor">
-            <a:schemeClr val="lt1"/>
-          </a:fontRef>
-        </p:style>
-        <p:txBody>
-          <a:bodyPr rtlCol="0" anchor="ctr"/>
-          <a:lstStyle/>
-          <a:p>
-            <a:pPr algn="ctr"/>
-            <a:r>
-              <a:rPr lang="ko-KR" altLang="en-US" dirty="0" err="1" smtClean="0"/>
-              <a:t>주사율</a:t>
-            </a:r>
-            <a:r>
-              <a:rPr lang="en-US" altLang="ko-KR" dirty="0" smtClean="0"/>
-              <a:t>(IPS)</a:t>
-            </a:r>
-            <a:endParaRPr lang="ko-KR" altLang="en-US" dirty="0"/>
-          </a:p>
-        </p:txBody>
-      </p:sp>
-      <p:sp>
-        <p:nvSpPr>
-          <p:cNvPr id="9" name="모서리가 둥근 직사각형 8"/>
-          <p:cNvSpPr/>
-          <p:nvPr/>
-        </p:nvSpPr>
-        <p:spPr>
-          <a:xfrm>
-            <a:off x="3041704" y="2270691"/>
-            <a:ext cx="1856292" cy="496195"/>
-          </a:xfrm>
-          <a:prstGeom prst="roundRect">
-            <a:avLst/>
-          </a:prstGeom>
-        </p:spPr>
-        <p:style>
-          <a:lnRef idx="2">
-            <a:schemeClr val="accent1">
-              <a:shade val="50000"/>
-            </a:schemeClr>
-          </a:lnRef>
-          <a:fillRef idx="1">
-            <a:schemeClr val="accent1"/>
-          </a:fillRef>
-          <a:effectRef idx="0">
-            <a:schemeClr val="accent1"/>
-          </a:effectRef>
-          <a:fontRef idx="minor">
-            <a:schemeClr val="lt1"/>
-          </a:fontRef>
-        </p:style>
-        <p:txBody>
-          <a:bodyPr rtlCol="0" anchor="ctr"/>
-          <a:lstStyle/>
-          <a:p>
-            <a:pPr algn="ctr"/>
-            <a:r>
-              <a:rPr lang="ko-KR" altLang="en-US" dirty="0" smtClean="0"/>
-              <a:t>월평균 불량률</a:t>
-            </a:r>
-            <a:endParaRPr lang="ko-KR" altLang="en-US" dirty="0"/>
-          </a:p>
-        </p:txBody>
-      </p:sp>
-      <p:sp>
-        <p:nvSpPr>
-          <p:cNvPr id="20" name="모서리가 둥근 직사각형 19"/>
-          <p:cNvSpPr/>
-          <p:nvPr/>
-        </p:nvSpPr>
-        <p:spPr>
-          <a:xfrm>
-            <a:off x="3041704" y="2840081"/>
-            <a:ext cx="1856292" cy="496195"/>
-          </a:xfrm>
-          <a:prstGeom prst="roundRect">
-            <a:avLst/>
-          </a:prstGeom>
-        </p:spPr>
-        <p:style>
-          <a:lnRef idx="2">
-            <a:schemeClr val="accent1">
-              <a:shade val="50000"/>
-            </a:schemeClr>
-          </a:lnRef>
-          <a:fillRef idx="1">
-            <a:schemeClr val="accent1"/>
-          </a:fillRef>
-          <a:effectRef idx="0">
-            <a:schemeClr val="accent1"/>
-          </a:effectRef>
-          <a:fontRef idx="minor">
-            <a:schemeClr val="lt1"/>
-          </a:fontRef>
-        </p:style>
-        <p:txBody>
-          <a:bodyPr rtlCol="0" anchor="ctr"/>
-          <a:lstStyle/>
-          <a:p>
-            <a:pPr algn="ctr"/>
-            <a:r>
-              <a:rPr lang="ko-KR" altLang="en-US" smtClean="0"/>
-              <a:t>금일 불량률</a:t>
-            </a:r>
-            <a:endParaRPr lang="ko-KR" altLang="en-US" dirty="0"/>
-          </a:p>
-        </p:txBody>
-      </p:sp>
-      <p:sp>
-        <p:nvSpPr>
-          <p:cNvPr id="21" name="모서리가 둥근 직사각형 20"/>
-          <p:cNvSpPr/>
-          <p:nvPr/>
-        </p:nvSpPr>
-        <p:spPr>
-          <a:xfrm>
-            <a:off x="3041703" y="3466369"/>
-            <a:ext cx="2798923" cy="496195"/>
-          </a:xfrm>
-          <a:prstGeom prst="roundRect">
-            <a:avLst/>
-          </a:prstGeom>
-        </p:spPr>
-        <p:style>
-          <a:lnRef idx="2">
-            <a:schemeClr val="accent1">
-              <a:shade val="50000"/>
-            </a:schemeClr>
-          </a:lnRef>
-          <a:fillRef idx="1">
-            <a:schemeClr val="accent1"/>
-          </a:fillRef>
-          <a:effectRef idx="0">
-            <a:schemeClr val="accent1"/>
-          </a:effectRef>
-          <a:fontRef idx="minor">
-            <a:schemeClr val="lt1"/>
-          </a:fontRef>
-        </p:style>
-        <p:txBody>
-          <a:bodyPr rtlCol="0" anchor="ctr"/>
-          <a:lstStyle/>
-          <a:p>
-            <a:pPr algn="ctr"/>
-            <a:r>
-              <a:rPr lang="ko-KR" altLang="en-US" dirty="0" smtClean="0"/>
-              <a:t>최대값 </a:t>
-            </a:r>
-            <a:r>
-              <a:rPr lang="en-US" altLang="ko-KR" dirty="0" smtClean="0"/>
-              <a:t>: </a:t>
-            </a:r>
-            <a:r>
-              <a:rPr lang="ko-KR" altLang="en-US" dirty="0" smtClean="0"/>
-              <a:t>금일 가장 많은 불량 </a:t>
-            </a:r>
-            <a:r>
-              <a:rPr lang="ko-KR" altLang="en-US" dirty="0" err="1" smtClean="0"/>
-              <a:t>갯수가</a:t>
-            </a:r>
-            <a:r>
-              <a:rPr lang="ko-KR" altLang="en-US" dirty="0" smtClean="0"/>
-              <a:t> 나온 시간</a:t>
-            </a:r>
-            <a:endParaRPr lang="ko-KR" altLang="en-US" dirty="0"/>
-          </a:p>
-        </p:txBody>
-      </p:sp>
-      <p:sp>
-        <p:nvSpPr>
-          <p:cNvPr id="22" name="모서리가 둥근 직사각형 21"/>
-          <p:cNvSpPr/>
-          <p:nvPr/>
-        </p:nvSpPr>
-        <p:spPr>
-          <a:xfrm>
-            <a:off x="3041703" y="4071019"/>
-            <a:ext cx="2798923" cy="496195"/>
-          </a:xfrm>
-          <a:prstGeom prst="roundRect">
-            <a:avLst/>
-          </a:prstGeom>
-        </p:spPr>
-        <p:style>
-          <a:lnRef idx="2">
-            <a:schemeClr val="accent1">
-              <a:shade val="50000"/>
-            </a:schemeClr>
-          </a:lnRef>
-          <a:fillRef idx="1">
-            <a:schemeClr val="accent1"/>
-          </a:fillRef>
-          <a:effectRef idx="0">
-            <a:schemeClr val="accent1"/>
-          </a:effectRef>
-          <a:fontRef idx="minor">
-            <a:schemeClr val="lt1"/>
-          </a:fontRef>
-        </p:style>
-        <p:txBody>
-          <a:bodyPr rtlCol="0" anchor="ctr"/>
-          <a:lstStyle/>
-          <a:p>
-            <a:pPr algn="ctr"/>
-            <a:r>
-              <a:rPr lang="ko-KR" altLang="en-US" dirty="0" smtClean="0"/>
-              <a:t>최소값 </a:t>
-            </a:r>
-            <a:r>
-              <a:rPr lang="en-US" altLang="ko-KR" dirty="0" smtClean="0"/>
-              <a:t>: </a:t>
-            </a:r>
-            <a:r>
-              <a:rPr lang="ko-KR" altLang="en-US" dirty="0" smtClean="0"/>
-              <a:t>금일 가장 적은 불량 </a:t>
-            </a:r>
-            <a:r>
-              <a:rPr lang="ko-KR" altLang="en-US" dirty="0" err="1" smtClean="0"/>
-              <a:t>갯수가</a:t>
-            </a:r>
-            <a:r>
-              <a:rPr lang="ko-KR" altLang="en-US" dirty="0" smtClean="0"/>
-              <a:t> 나온 시간</a:t>
-            </a:r>
-            <a:endParaRPr lang="ko-KR" altLang="en-US" dirty="0"/>
           </a:p>
         </p:txBody>
       </p:sp>
